--- a/SheInnovates19 Presentation.pptx
+++ b/SheInnovates19 Presentation.pptx
@@ -10,6 +10,7 @@
     <p:sldId id="257" r:id="rId4"/>
     <p:sldId id="260" r:id="rId5"/>
     <p:sldId id="259" r:id="rId6"/>
+    <p:sldId id="261" r:id="rId7"/>
   </p:sldIdLst>
   <p:sldSz cx="12192000" cy="6858000"/>
   <p:notesSz cx="6858000" cy="9144000"/>
@@ -108,6 +109,11 @@
       </a:defRPr>
     </a:lvl9pPr>
   </p:defaultTextStyle>
+  <p:extLst>
+    <p:ext uri="{EFAFB233-063F-42B5-8137-9DF3F51BA10A}">
+      <p15:sldGuideLst xmlns:p15="http://schemas.microsoft.com/office/powerpoint/2012/main"/>
+    </p:ext>
+  </p:extLst>
 </p:presentation>
 </file>
 
@@ -3457,6 +3463,78 @@
           </a:effectLst>
         </p:spPr>
       </p:pic>
+      <p:pic>
+        <p:nvPicPr>
+          <p:cNvPr id="5" name="Picture 4">
+            <a:extLst>
+              <a:ext uri="{FF2B5EF4-FFF2-40B4-BE49-F238E27FC236}">
+                <a16:creationId xmlns:a16="http://schemas.microsoft.com/office/drawing/2014/main" id="{18AD3F8D-BD5B-4AC9-9709-34256D535DA4}"/>
+              </a:ext>
+            </a:extLst>
+          </p:cNvPr>
+          <p:cNvPicPr>
+            <a:picLocks noChangeAspect="1"/>
+          </p:cNvPicPr>
+          <p:nvPr/>
+        </p:nvPicPr>
+        <p:blipFill>
+          <a:blip r:embed="rId3">
+            <a:extLst>
+              <a:ext uri="{28A0092B-C50C-407E-A947-70E740481C1C}">
+                <a14:useLocalDpi xmlns:a14="http://schemas.microsoft.com/office/drawing/2010/main" val="0"/>
+              </a:ext>
+            </a:extLst>
+          </a:blip>
+          <a:stretch>
+            <a:fillRect/>
+          </a:stretch>
+        </p:blipFill>
+        <p:spPr>
+          <a:xfrm>
+            <a:off x="5999584" y="4356393"/>
+            <a:ext cx="1054359" cy="1054359"/>
+          </a:xfrm>
+          <a:prstGeom prst="rect">
+            <a:avLst/>
+          </a:prstGeom>
+        </p:spPr>
+      </p:pic>
+      <p:pic>
+        <p:nvPicPr>
+          <p:cNvPr id="8" name="Picture 7">
+            <a:extLst>
+              <a:ext uri="{FF2B5EF4-FFF2-40B4-BE49-F238E27FC236}">
+                <a16:creationId xmlns:a16="http://schemas.microsoft.com/office/drawing/2014/main" id="{0B497020-6682-47FC-A7EA-84D4CF060732}"/>
+              </a:ext>
+            </a:extLst>
+          </p:cNvPr>
+          <p:cNvPicPr>
+            <a:picLocks noChangeAspect="1"/>
+          </p:cNvPicPr>
+          <p:nvPr/>
+        </p:nvPicPr>
+        <p:blipFill>
+          <a:blip r:embed="rId4">
+            <a:extLst>
+              <a:ext uri="{28A0092B-C50C-407E-A947-70E740481C1C}">
+                <a14:useLocalDpi xmlns:a14="http://schemas.microsoft.com/office/drawing/2010/main" val="0"/>
+              </a:ext>
+            </a:extLst>
+          </a:blip>
+          <a:stretch>
+            <a:fillRect/>
+          </a:stretch>
+        </p:blipFill>
+        <p:spPr>
+          <a:xfrm>
+            <a:off x="6932645" y="4356393"/>
+            <a:ext cx="1054359" cy="1054359"/>
+          </a:xfrm>
+          <a:prstGeom prst="rect">
+            <a:avLst/>
+          </a:prstGeom>
+        </p:spPr>
+      </p:pic>
     </p:spTree>
     <p:extLst>
       <p:ext uri="{BB962C8B-B14F-4D97-AF65-F5344CB8AC3E}">
@@ -3467,13 +3545,13 @@
   <p:clrMapOvr>
     <a:masterClrMapping/>
   </p:clrMapOvr>
-  <mc:AlternateContent xmlns:mc="http://schemas.openxmlformats.org/markup-compatibility/2006">
-    <mc:Choice xmlns:p14="http://schemas.microsoft.com/office/powerpoint/2010/main" Requires="p14">
+  <mc:AlternateContent xmlns:mc="http://schemas.openxmlformats.org/markup-compatibility/2006" xmlns:p14="http://schemas.microsoft.com/office/powerpoint/2010/main">
+    <mc:Choice Requires="p14">
       <p:transition spd="med" p14:dur="700">
         <p:fade/>
       </p:transition>
     </mc:Choice>
-    <mc:Fallback>
+    <mc:Fallback xmlns="">
       <p:transition spd="med">
         <p:fade/>
       </p:transition>
@@ -3554,7 +3632,7 @@
         </p:nvSpPr>
         <p:spPr>
           <a:xfrm>
-            <a:off x="971550" y="1809750"/>
+            <a:off x="838200" y="1333969"/>
             <a:ext cx="10058400" cy="4462760"/>
           </a:xfrm>
           <a:prstGeom prst="rect">
@@ -3636,6 +3714,78 @@
           </a:p>
         </p:txBody>
       </p:sp>
+      <p:pic>
+        <p:nvPicPr>
+          <p:cNvPr id="9" name="Picture 8">
+            <a:extLst>
+              <a:ext uri="{FF2B5EF4-FFF2-40B4-BE49-F238E27FC236}">
+                <a16:creationId xmlns:a16="http://schemas.microsoft.com/office/drawing/2014/main" id="{E806D9D3-22B3-4D04-B42B-01301734801C}"/>
+              </a:ext>
+            </a:extLst>
+          </p:cNvPr>
+          <p:cNvPicPr>
+            <a:picLocks noChangeAspect="1"/>
+          </p:cNvPicPr>
+          <p:nvPr/>
+        </p:nvPicPr>
+        <p:blipFill>
+          <a:blip r:embed="rId2">
+            <a:extLst>
+              <a:ext uri="{28A0092B-C50C-407E-A947-70E740481C1C}">
+                <a14:useLocalDpi xmlns:a14="http://schemas.microsoft.com/office/drawing/2010/main" val="0"/>
+              </a:ext>
+            </a:extLst>
+          </a:blip>
+          <a:stretch>
+            <a:fillRect/>
+          </a:stretch>
+        </p:blipFill>
+        <p:spPr>
+          <a:xfrm>
+            <a:off x="6643396" y="4316104"/>
+            <a:ext cx="3416069" cy="2405622"/>
+          </a:xfrm>
+          <a:prstGeom prst="rect">
+            <a:avLst/>
+          </a:prstGeom>
+        </p:spPr>
+      </p:pic>
+      <p:pic>
+        <p:nvPicPr>
+          <p:cNvPr id="7" name="Picture 6">
+            <a:extLst>
+              <a:ext uri="{FF2B5EF4-FFF2-40B4-BE49-F238E27FC236}">
+                <a16:creationId xmlns:a16="http://schemas.microsoft.com/office/drawing/2014/main" id="{C4C0CAEB-43C8-4429-9C69-D14AECBC5DE1}"/>
+              </a:ext>
+            </a:extLst>
+          </p:cNvPr>
+          <p:cNvPicPr>
+            <a:picLocks noChangeAspect="1"/>
+          </p:cNvPicPr>
+          <p:nvPr/>
+        </p:nvPicPr>
+        <p:blipFill>
+          <a:blip r:embed="rId3">
+            <a:extLst>
+              <a:ext uri="{28A0092B-C50C-407E-A947-70E740481C1C}">
+                <a14:useLocalDpi xmlns:a14="http://schemas.microsoft.com/office/drawing/2010/main" val="0"/>
+              </a:ext>
+            </a:extLst>
+          </a:blip>
+          <a:stretch>
+            <a:fillRect/>
+          </a:stretch>
+        </p:blipFill>
+        <p:spPr>
+          <a:xfrm>
+            <a:off x="6913984" y="5514392"/>
+            <a:ext cx="1343608" cy="1343608"/>
+          </a:xfrm>
+          <a:prstGeom prst="rect">
+            <a:avLst/>
+          </a:prstGeom>
+        </p:spPr>
+      </p:pic>
     </p:spTree>
     <p:extLst>
       <p:ext uri="{BB962C8B-B14F-4D97-AF65-F5344CB8AC3E}">
@@ -3646,13 +3796,13 @@
   <p:clrMapOvr>
     <a:masterClrMapping/>
   </p:clrMapOvr>
-  <mc:AlternateContent xmlns:mc="http://schemas.openxmlformats.org/markup-compatibility/2006">
-    <mc:Choice xmlns:p159="http://schemas.microsoft.com/office/powerpoint/2015/09/main" Requires="p159">
+  <mc:AlternateContent xmlns:mc="http://schemas.openxmlformats.org/markup-compatibility/2006" xmlns:p159="http://schemas.microsoft.com/office/powerpoint/2015/09/main">
+    <mc:Choice Requires="p159">
       <p:transition xmlns:p14="http://schemas.microsoft.com/office/powerpoint/2010/main" spd="slow" p14:dur="2000">
         <p159:morph option="byObject"/>
       </p:transition>
     </mc:Choice>
-    <mc:Fallback>
+    <mc:Fallback xmlns="">
       <p:transition spd="slow">
         <p:fade/>
       </p:transition>
@@ -3857,13 +4007,13 @@
   <p:clrMapOvr>
     <a:masterClrMapping/>
   </p:clrMapOvr>
-  <mc:AlternateContent xmlns:mc="http://schemas.openxmlformats.org/markup-compatibility/2006">
-    <mc:Choice xmlns:p159="http://schemas.microsoft.com/office/powerpoint/2015/09/main" Requires="p159">
+  <mc:AlternateContent xmlns:mc="http://schemas.openxmlformats.org/markup-compatibility/2006" xmlns:p159="http://schemas.microsoft.com/office/powerpoint/2015/09/main">
+    <mc:Choice Requires="p159">
       <p:transition xmlns:p14="http://schemas.microsoft.com/office/powerpoint/2010/main" spd="slow" p14:dur="2000">
         <p159:morph option="byObject"/>
       </p:transition>
     </mc:Choice>
-    <mc:Fallback>
+    <mc:Fallback xmlns="">
       <p:transition spd="slow">
         <p:fade/>
       </p:transition>
@@ -4038,13 +4188,13 @@
   <p:clrMapOvr>
     <a:masterClrMapping/>
   </p:clrMapOvr>
-  <mc:AlternateContent xmlns:mc="http://schemas.openxmlformats.org/markup-compatibility/2006">
-    <mc:Choice xmlns:p159="http://schemas.microsoft.com/office/powerpoint/2015/09/main" Requires="p159">
+  <mc:AlternateContent xmlns:mc="http://schemas.openxmlformats.org/markup-compatibility/2006" xmlns:p159="http://schemas.microsoft.com/office/powerpoint/2015/09/main">
+    <mc:Choice Requires="p159">
       <p:transition xmlns:p14="http://schemas.microsoft.com/office/powerpoint/2010/main" spd="slow" p14:dur="2000">
         <p159:morph option="byObject"/>
       </p:transition>
     </mc:Choice>
-    <mc:Fallback>
+    <mc:Fallback xmlns="">
       <p:transition spd="slow">
         <p:fade/>
       </p:transition>
@@ -4212,18 +4362,117 @@
   <p:clrMapOvr>
     <a:masterClrMapping/>
   </p:clrMapOvr>
-  <mc:AlternateContent xmlns:mc="http://schemas.openxmlformats.org/markup-compatibility/2006">
-    <mc:Choice xmlns:p159="http://schemas.microsoft.com/office/powerpoint/2015/09/main" Requires="p159">
+  <mc:AlternateContent xmlns:mc="http://schemas.openxmlformats.org/markup-compatibility/2006" xmlns:p159="http://schemas.microsoft.com/office/powerpoint/2015/09/main">
+    <mc:Choice Requires="p159">
       <p:transition xmlns:p14="http://schemas.microsoft.com/office/powerpoint/2010/main" spd="slow" p14:dur="2000">
         <p159:morph option="byObject"/>
       </p:transition>
     </mc:Choice>
-    <mc:Fallback>
+    <mc:Fallback xmlns="">
       <p:transition spd="slow">
         <p:fade/>
       </p:transition>
     </mc:Fallback>
   </mc:AlternateContent>
+</p:sld>
+</file>
+
+<file path=ppt/slides/slide6.xml><?xml version="1.0" encoding="utf-8"?>
+<p:sld xmlns:a="http://schemas.openxmlformats.org/drawingml/2006/main" xmlns:r="http://schemas.openxmlformats.org/officeDocument/2006/relationships" xmlns:p="http://schemas.openxmlformats.org/presentationml/2006/main">
+  <p:cSld>
+    <p:spTree>
+      <p:nvGrpSpPr>
+        <p:cNvPr id="1" name=""/>
+        <p:cNvGrpSpPr/>
+        <p:nvPr/>
+      </p:nvGrpSpPr>
+      <p:grpSpPr>
+        <a:xfrm>
+          <a:off x="0" y="0"/>
+          <a:ext cx="0" cy="0"/>
+          <a:chOff x="0" y="0"/>
+          <a:chExt cx="0" cy="0"/>
+        </a:xfrm>
+      </p:grpSpPr>
+      <p:sp>
+        <p:nvSpPr>
+          <p:cNvPr id="2" name="Title 1">
+            <a:extLst>
+              <a:ext uri="{FF2B5EF4-FFF2-40B4-BE49-F238E27FC236}">
+                <a16:creationId xmlns:a16="http://schemas.microsoft.com/office/drawing/2014/main" id="{BD1536E8-9C93-4A49-B1FC-2BA7E0B77863}"/>
+              </a:ext>
+            </a:extLst>
+          </p:cNvPr>
+          <p:cNvSpPr>
+            <a:spLocks noGrp="1"/>
+          </p:cNvSpPr>
+          <p:nvPr>
+            <p:ph type="title"/>
+          </p:nvPr>
+        </p:nvSpPr>
+        <p:spPr/>
+        <p:txBody>
+          <a:bodyPr/>
+          <a:lstStyle/>
+          <a:p>
+            <a:r>
+              <a:rPr lang="en-US" dirty="0">
+                <a:latin typeface="Agency FB" panose="020B0503020202020204" pitchFamily="34" charset="0"/>
+              </a:rPr>
+              <a:t>Credits</a:t>
+            </a:r>
+          </a:p>
+        </p:txBody>
+      </p:sp>
+      <p:sp>
+        <p:nvSpPr>
+          <p:cNvPr id="3" name="Content Placeholder 2">
+            <a:extLst>
+              <a:ext uri="{FF2B5EF4-FFF2-40B4-BE49-F238E27FC236}">
+                <a16:creationId xmlns:a16="http://schemas.microsoft.com/office/drawing/2014/main" id="{1854EBD5-6CB1-4B30-BB63-82DFBB81FAD2}"/>
+              </a:ext>
+            </a:extLst>
+          </p:cNvPr>
+          <p:cNvSpPr>
+            <a:spLocks noGrp="1"/>
+          </p:cNvSpPr>
+          <p:nvPr>
+            <p:ph idx="1"/>
+          </p:nvPr>
+        </p:nvSpPr>
+        <p:spPr/>
+        <p:txBody>
+          <a:bodyPr/>
+          <a:lstStyle/>
+          <a:p>
+            <a:r>
+              <a:rPr lang="en-US" dirty="0" err="1"/>
+              <a:t>Bitmoji</a:t>
+            </a:r>
+            <a:endParaRPr lang="en-US" dirty="0"/>
+          </a:p>
+          <a:p>
+            <a:r>
+              <a:rPr lang="en-US" dirty="0" err="1"/>
+              <a:t>Pyglet</a:t>
+            </a:r>
+            <a:r>
+              <a:rPr lang="en-US" dirty="0"/>
+              <a:t> Library</a:t>
+            </a:r>
+          </a:p>
+        </p:txBody>
+      </p:sp>
+    </p:spTree>
+    <p:extLst>
+      <p:ext uri="{BB962C8B-B14F-4D97-AF65-F5344CB8AC3E}">
+        <p14:creationId xmlns:p14="http://schemas.microsoft.com/office/powerpoint/2010/main" val="1562908208"/>
+      </p:ext>
+    </p:extLst>
+  </p:cSld>
+  <p:clrMapOvr>
+    <a:masterClrMapping/>
+  </p:clrMapOvr>
 </p:sld>
 </file>
 

--- a/SheInnovates19 Presentation.pptx
+++ b/SheInnovates19 Presentation.pptx
@@ -3491,7 +3491,7 @@
         </p:blipFill>
         <p:spPr>
           <a:xfrm>
-            <a:off x="5999584" y="4356393"/>
+            <a:off x="6066236" y="4356392"/>
             <a:ext cx="1054359" cy="1054359"/>
           </a:xfrm>
           <a:prstGeom prst="rect">
@@ -3527,8 +3527,140 @@
         </p:blipFill>
         <p:spPr>
           <a:xfrm>
-            <a:off x="6932645" y="4356393"/>
+            <a:off x="6853226" y="4373704"/>
             <a:ext cx="1054359" cy="1054359"/>
+          </a:xfrm>
+          <a:prstGeom prst="rect">
+            <a:avLst/>
+          </a:prstGeom>
+        </p:spPr>
+      </p:pic>
+      <p:pic>
+        <p:nvPicPr>
+          <p:cNvPr id="6" name="Picture 5">
+            <a:extLst>
+              <a:ext uri="{FF2B5EF4-FFF2-40B4-BE49-F238E27FC236}">
+                <a16:creationId xmlns:a16="http://schemas.microsoft.com/office/drawing/2014/main" id="{35CD2090-EE03-4646-8DCC-7BDB4A3958D6}"/>
+              </a:ext>
+            </a:extLst>
+          </p:cNvPr>
+          <p:cNvPicPr>
+            <a:picLocks noChangeAspect="1"/>
+          </p:cNvPicPr>
+          <p:nvPr/>
+        </p:nvPicPr>
+        <p:blipFill>
+          <a:blip r:embed="rId5">
+            <a:alphaModFix/>
+            <a:extLst>
+              <a:ext uri="{BEBA8EAE-BF5A-486C-A8C5-ECC9F3942E4B}">
+                <a14:imgProps xmlns:a14="http://schemas.microsoft.com/office/drawing/2010/main">
+                  <a14:imgLayer r:embed="rId6">
+                    <a14:imgEffect>
+                      <a14:backgroundRemoval t="9799" b="94724" l="9799" r="89950">
+                        <a14:foregroundMark x1="37437" y1="59799" x2="37437" y2="59799"/>
+                        <a14:foregroundMark x1="61809" y1="60302" x2="61809" y2="60302"/>
+                        <a14:foregroundMark x1="62814" y1="59045" x2="62814" y2="59045"/>
+                        <a14:foregroundMark x1="54774" y1="59296" x2="54774" y2="59296"/>
+                        <a14:foregroundMark x1="66834" y1="59548" x2="66834" y2="59548"/>
+                        <a14:foregroundMark x1="67588" y1="58291" x2="67588" y2="58291"/>
+                        <a14:foregroundMark x1="67337" y1="61055" x2="67337" y2="61055"/>
+                        <a14:foregroundMark x1="49497" y1="91709" x2="49497" y2="91709"/>
+                        <a14:foregroundMark x1="46482" y1="94724" x2="46482" y2="94724"/>
+                      </a14:backgroundRemoval>
+                    </a14:imgEffect>
+                  </a14:imgLayer>
+                </a14:imgProps>
+              </a:ext>
+              <a:ext uri="{28A0092B-C50C-407E-A947-70E740481C1C}">
+                <a14:useLocalDpi xmlns:a14="http://schemas.microsoft.com/office/drawing/2010/main" val="0"/>
+              </a:ext>
+            </a:extLst>
+          </a:blip>
+          <a:stretch>
+            <a:fillRect/>
+          </a:stretch>
+        </p:blipFill>
+        <p:spPr>
+          <a:xfrm>
+            <a:off x="4539343" y="4356393"/>
+            <a:ext cx="1054359" cy="1054359"/>
+          </a:xfrm>
+          <a:prstGeom prst="rect">
+            <a:avLst/>
+          </a:prstGeom>
+        </p:spPr>
+      </p:pic>
+      <p:pic>
+        <p:nvPicPr>
+          <p:cNvPr id="10" name="Picture 9">
+            <a:extLst>
+              <a:ext uri="{FF2B5EF4-FFF2-40B4-BE49-F238E27FC236}">
+                <a16:creationId xmlns:a16="http://schemas.microsoft.com/office/drawing/2014/main" id="{AB945348-EE26-45ED-8238-9D66196A581B}"/>
+              </a:ext>
+            </a:extLst>
+          </p:cNvPr>
+          <p:cNvPicPr>
+            <a:picLocks noChangeAspect="1"/>
+          </p:cNvPicPr>
+          <p:nvPr/>
+        </p:nvPicPr>
+        <p:blipFill rotWithShape="1">
+          <a:blip r:embed="rId7">
+            <a:extLst>
+              <a:ext uri="{BEBA8EAE-BF5A-486C-A8C5-ECC9F3942E4B}">
+                <a14:imgProps xmlns:a14="http://schemas.microsoft.com/office/drawing/2010/main">
+                  <a14:imgLayer r:embed="rId8">
+                    <a14:imgEffect>
+                      <a14:backgroundRemoval t="9799" b="99749" l="9799" r="89950">
+                        <a14:foregroundMark x1="48241" y1="75126" x2="48241" y2="75126"/>
+                        <a14:foregroundMark x1="28233" y1="98184" x2="28141" y2="99749"/>
+                        <a14:foregroundMark x1="28339" y1="96366" x2="28233" y2="98170"/>
+                        <a14:foregroundMark x1="55779" y1="93216" x2="55779" y2="93216"/>
+                        <a14:foregroundMark x1="38183" y1="91302" x2="61809" y2="93970"/>
+                        <a14:foregroundMark x1="30653" y1="90452" x2="33117" y2="90730"/>
+                        <a14:foregroundMark x1="37451" y1="92418" x2="52513" y2="94472"/>
+                        <a14:foregroundMark x1="31186" y1="91564" x2="32456" y2="91737"/>
+                        <a14:foregroundMark x1="52513" y1="94472" x2="62060" y2="93719"/>
+                        <a14:foregroundMark x1="37584" y1="92215" x2="61541" y2="94504"/>
+                        <a14:foregroundMark x1="31405" y1="91625" x2="32463" y2="91726"/>
+                        <a14:foregroundMark x1="37071" y1="92997" x2="50754" y2="94975"/>
+                        <a14:foregroundMark x1="50754" y1="94975" x2="60553" y2="94221"/>
+                        <a14:foregroundMark x1="60553" y1="94221" x2="61616" y2="94363"/>
+                        <a14:foregroundMark x1="34616" y1="96737" x2="37186" y2="99497"/>
+                        <a14:foregroundMark x1="40105" y1="99426" x2="47487" y2="99246"/>
+                        <a14:foregroundMark x1="37186" y1="99497" x2="40028" y2="99428"/>
+                        <a14:foregroundMark x1="47487" y1="99246" x2="68342" y2="99246"/>
+                        <a14:foregroundMark x1="68342" y1="99246" x2="68990" y2="97552"/>
+                        <a14:foregroundMark x1="30402" y1="91960" x2="30905" y2="91457"/>
+                        <a14:foregroundMark x1="30905" y1="91457" x2="30905" y2="91457"/>
+                        <a14:backgroundMark x1="27889" y1="90955" x2="28323" y2="91045"/>
+                        <a14:backgroundMark x1="28643" y1="91206" x2="29607" y2="91518"/>
+                        <a14:backgroundMark x1="61558" y1="94472" x2="70854" y2="91457"/>
+                        <a14:backgroundMark x1="70854" y1="91457" x2="62814" y2="94472"/>
+                        <a14:backgroundMark x1="70352" y1="91709" x2="71106" y2="92211"/>
+                        <a14:backgroundMark x1="29827" y1="91457" x2="29397" y2="92965"/>
+                        <a14:backgroundMark x1="29899" y1="91206" x2="29827" y2="91457"/>
+                        <a14:backgroundMark x1="30402" y1="91709" x2="30307" y2="92183"/>
+                        <a14:backgroundMark x1="31156" y1="93719" x2="36432" y2="93970"/>
+                        <a14:backgroundMark x1="37437" y1="94724" x2="36432" y2="94472"/>
+                      </a14:backgroundRemoval>
+                    </a14:imgEffect>
+                  </a14:imgLayer>
+                </a14:imgProps>
+              </a:ext>
+              <a:ext uri="{28A0092B-C50C-407E-A947-70E740481C1C}">
+                <a14:useLocalDpi xmlns:a14="http://schemas.microsoft.com/office/drawing/2010/main" val="0"/>
+              </a:ext>
+            </a:extLst>
+          </a:blip>
+          <a:srcRect b="5272"/>
+          <a:stretch/>
+        </p:blipFill>
+        <p:spPr>
+          <a:xfrm>
+            <a:off x="5337109" y="4477000"/>
+            <a:ext cx="985720" cy="933752"/>
           </a:xfrm>
           <a:prstGeom prst="rect">
             <a:avLst/>
@@ -3752,10 +3884,10 @@
       </p:pic>
       <p:pic>
         <p:nvPicPr>
-          <p:cNvPr id="7" name="Picture 6">
-            <a:extLst>
-              <a:ext uri="{FF2B5EF4-FFF2-40B4-BE49-F238E27FC236}">
-                <a16:creationId xmlns:a16="http://schemas.microsoft.com/office/drawing/2014/main" id="{C4C0CAEB-43C8-4429-9C69-D14AECBC5DE1}"/>
+          <p:cNvPr id="8" name="Picture 7">
+            <a:extLst>
+              <a:ext uri="{FF2B5EF4-FFF2-40B4-BE49-F238E27FC236}">
+                <a16:creationId xmlns:a16="http://schemas.microsoft.com/office/drawing/2014/main" id="{3C86F6E6-594F-4518-ACF5-E665DAA9AA47}"/>
               </a:ext>
             </a:extLst>
           </p:cNvPr>
@@ -3778,8 +3910,55 @@
         </p:blipFill>
         <p:spPr>
           <a:xfrm>
-            <a:off x="6913984" y="5514392"/>
-            <a:ext cx="1343608" cy="1343608"/>
+            <a:off x="7036915" y="5796729"/>
+            <a:ext cx="857315" cy="924997"/>
+          </a:xfrm>
+          <a:prstGeom prst="rect">
+            <a:avLst/>
+          </a:prstGeom>
+        </p:spPr>
+      </p:pic>
+      <p:pic>
+        <p:nvPicPr>
+          <p:cNvPr id="11" name="Picture 10">
+            <a:extLst>
+              <a:ext uri="{FF2B5EF4-FFF2-40B4-BE49-F238E27FC236}">
+                <a16:creationId xmlns:a16="http://schemas.microsoft.com/office/drawing/2014/main" id="{33864313-EC85-4558-B30A-F0EEBAEECC59}"/>
+              </a:ext>
+            </a:extLst>
+          </p:cNvPr>
+          <p:cNvPicPr>
+            <a:picLocks noChangeAspect="1"/>
+          </p:cNvPicPr>
+          <p:nvPr/>
+        </p:nvPicPr>
+        <p:blipFill rotWithShape="1">
+          <a:blip r:embed="rId4">
+            <a:extLst>
+              <a:ext uri="{BEBA8EAE-BF5A-486C-A8C5-ECC9F3942E4B}">
+                <a14:imgProps xmlns:a14="http://schemas.microsoft.com/office/drawing/2010/main">
+                  <a14:imgLayer r:embed="rId5">
+                    <a14:imgEffect>
+                      <a14:backgroundRemoval t="10000" b="94000" l="3333" r="30333">
+                        <a14:foregroundMark x1="4667" y1="67000" x2="4667" y2="67000"/>
+                        <a14:foregroundMark x1="9667" y1="94000" x2="9667" y2="94000"/>
+                      </a14:backgroundRemoval>
+                    </a14:imgEffect>
+                  </a14:imgLayer>
+                </a14:imgProps>
+              </a:ext>
+              <a:ext uri="{28A0092B-C50C-407E-A947-70E740481C1C}">
+                <a14:useLocalDpi xmlns:a14="http://schemas.microsoft.com/office/drawing/2010/main" val="0"/>
+              </a:ext>
+            </a:extLst>
+          </a:blip>
+          <a:srcRect r="66109"/>
+          <a:stretch/>
+        </p:blipFill>
+        <p:spPr>
+          <a:xfrm>
+            <a:off x="8351430" y="6091178"/>
+            <a:ext cx="641099" cy="630547"/>
           </a:xfrm>
           <a:prstGeom prst="rect">
             <a:avLst/>

--- a/SheInnovates19 Presentation.pptx
+++ b/SheInnovates19 Presentation.pptx
@@ -9,8 +9,8 @@
     <p:sldId id="258" r:id="rId3"/>
     <p:sldId id="257" r:id="rId4"/>
     <p:sldId id="260" r:id="rId5"/>
-    <p:sldId id="259" r:id="rId6"/>
-    <p:sldId id="261" r:id="rId7"/>
+    <p:sldId id="261" r:id="rId6"/>
+    <p:sldId id="259" r:id="rId7"/>
   </p:sldIdLst>
   <p:sldSz cx="12192000" cy="6858000"/>
   <p:notesSz cx="6858000" cy="9144000"/>
@@ -3874,7 +3874,7 @@
         </p:blipFill>
         <p:spPr>
           <a:xfrm>
-            <a:off x="6643396" y="4316104"/>
+            <a:off x="6643395" y="4426997"/>
             <a:ext cx="3416069" cy="2405622"/>
           </a:xfrm>
           <a:prstGeom prst="rect">
@@ -3965,6 +3965,110 @@
           </a:prstGeom>
         </p:spPr>
       </p:pic>
+      <p:sp>
+        <p:nvSpPr>
+          <p:cNvPr id="12" name="Text Box 4">
+            <a:extLst>
+              <a:ext uri="{FF2B5EF4-FFF2-40B4-BE49-F238E27FC236}">
+                <a16:creationId xmlns:a16="http://schemas.microsoft.com/office/drawing/2014/main" id="{5D984986-3E33-4394-8E1F-31A0A186596B}"/>
+              </a:ext>
+            </a:extLst>
+          </p:cNvPr>
+          <p:cNvSpPr txBox="1"/>
+          <p:nvPr/>
+        </p:nvSpPr>
+        <p:spPr>
+          <a:xfrm>
+            <a:off x="7763090" y="5524031"/>
+            <a:ext cx="2545170" cy="1091918"/>
+          </a:xfrm>
+          <a:prstGeom prst="rect">
+            <a:avLst/>
+          </a:prstGeom>
+          <a:noFill/>
+          <a:ln w="6350">
+            <a:noFill/>
+          </a:ln>
+        </p:spPr>
+        <p:txBody>
+          <a:bodyPr rot="0" spcFirstLastPara="0" vert="horz" wrap="square" lIns="91440" tIns="45720" rIns="91440" bIns="45720" numCol="1" spcCol="0" rtlCol="0" fromWordArt="0" anchor="t" anchorCtr="0" forceAA="0" compatLnSpc="1">
+            <a:prstTxWarp prst="textNoShape">
+              <a:avLst/>
+            </a:prstTxWarp>
+            <a:noAutofit/>
+          </a:bodyPr>
+          <a:lstStyle/>
+          <a:p>
+            <a:pPr>
+              <a:lnSpc>
+                <a:spcPct val="107000"/>
+              </a:lnSpc>
+              <a:spcAft>
+                <a:spcPts val="800"/>
+              </a:spcAft>
+            </a:pPr>
+            <a:r>
+              <a:rPr lang="en-US" sz="1100" dirty="0"/>
+              <a:t>X = "Hello World"</a:t>
+            </a:r>
+            <a:br>
+              <a:rPr lang="en-US" sz="1100" dirty="0"/>
+            </a:br>
+            <a:r>
+              <a:rPr lang="en-US" sz="1100" dirty="0"/>
+              <a:t>What Data Type is X?</a:t>
+            </a:r>
+            <a:br>
+              <a:rPr lang="en-US" sz="1100" dirty="0"/>
+            </a:br>
+            <a:r>
+              <a:rPr lang="en-US" sz="1100" dirty="0"/>
+              <a:t>A. String B. Integer C. Boolean D. Char</a:t>
+            </a:r>
+          </a:p>
+          <a:p>
+            <a:pPr marL="0" marR="0">
+              <a:lnSpc>
+                <a:spcPct val="107000"/>
+              </a:lnSpc>
+              <a:spcBef>
+                <a:spcPts val="0"/>
+              </a:spcBef>
+              <a:spcAft>
+                <a:spcPts val="800"/>
+              </a:spcAft>
+            </a:pPr>
+            <a:endParaRPr lang="en-US" sz="1100" dirty="0">
+              <a:effectLst/>
+              <a:latin typeface="Calibri" panose="020F0502020204030204" pitchFamily="34" charset="0"/>
+              <a:ea typeface="Calibri" panose="020F0502020204030204" pitchFamily="34" charset="0"/>
+              <a:cs typeface="Times New Roman" panose="02020603050405020304" pitchFamily="18" charset="0"/>
+            </a:endParaRPr>
+          </a:p>
+          <a:p>
+            <a:pPr marL="0" marR="0">
+              <a:lnSpc>
+                <a:spcPct val="107000"/>
+              </a:lnSpc>
+              <a:spcBef>
+                <a:spcPts val="0"/>
+              </a:spcBef>
+              <a:spcAft>
+                <a:spcPts val="800"/>
+              </a:spcAft>
+            </a:pPr>
+            <a:r>
+              <a:rPr lang="en-US" sz="1100" dirty="0">
+                <a:effectLst/>
+                <a:latin typeface="Calibri" panose="020F0502020204030204" pitchFamily="34" charset="0"/>
+                <a:ea typeface="Calibri" panose="020F0502020204030204" pitchFamily="34" charset="0"/>
+                <a:cs typeface="Times New Roman" panose="02020603050405020304" pitchFamily="18" charset="0"/>
+              </a:rPr>
+              <a:t> </a:t>
+            </a:r>
+          </a:p>
+        </p:txBody>
+      </p:sp>
     </p:spTree>
     <p:extLst>
       <p:ext uri="{BB962C8B-B14F-4D97-AF65-F5344CB8AC3E}">
@@ -4401,6 +4505,156 @@
       </p:grpSpPr>
       <p:sp>
         <p:nvSpPr>
+          <p:cNvPr id="2" name="Title 1">
+            <a:extLst>
+              <a:ext uri="{FF2B5EF4-FFF2-40B4-BE49-F238E27FC236}">
+                <a16:creationId xmlns:a16="http://schemas.microsoft.com/office/drawing/2014/main" id="{BD1536E8-9C93-4A49-B1FC-2BA7E0B77863}"/>
+              </a:ext>
+            </a:extLst>
+          </p:cNvPr>
+          <p:cNvSpPr>
+            <a:spLocks noGrp="1"/>
+          </p:cNvSpPr>
+          <p:nvPr>
+            <p:ph type="title"/>
+          </p:nvPr>
+        </p:nvSpPr>
+        <p:spPr/>
+        <p:txBody>
+          <a:bodyPr/>
+          <a:lstStyle/>
+          <a:p>
+            <a:r>
+              <a:rPr lang="en-US" dirty="0">
+                <a:latin typeface="Agency FB" panose="020B0503020202020204" pitchFamily="34" charset="0"/>
+              </a:rPr>
+              <a:t>Technology and Resources we used</a:t>
+            </a:r>
+          </a:p>
+        </p:txBody>
+      </p:sp>
+      <p:sp>
+        <p:nvSpPr>
+          <p:cNvPr id="3" name="Content Placeholder 2">
+            <a:extLst>
+              <a:ext uri="{FF2B5EF4-FFF2-40B4-BE49-F238E27FC236}">
+                <a16:creationId xmlns:a16="http://schemas.microsoft.com/office/drawing/2014/main" id="{1854EBD5-6CB1-4B30-BB63-82DFBB81FAD2}"/>
+              </a:ext>
+            </a:extLst>
+          </p:cNvPr>
+          <p:cNvSpPr>
+            <a:spLocks noGrp="1"/>
+          </p:cNvSpPr>
+          <p:nvPr>
+            <p:ph idx="1"/>
+          </p:nvPr>
+        </p:nvSpPr>
+        <p:spPr>
+          <a:xfrm>
+            <a:off x="838200" y="1592360"/>
+            <a:ext cx="10515600" cy="4351338"/>
+          </a:xfrm>
+        </p:spPr>
+        <p:txBody>
+          <a:bodyPr/>
+          <a:lstStyle/>
+          <a:p>
+            <a:r>
+              <a:rPr lang="en-US" dirty="0"/>
+              <a:t>Python</a:t>
+            </a:r>
+          </a:p>
+          <a:p>
+            <a:r>
+              <a:rPr lang="en-US" dirty="0" err="1"/>
+              <a:t>Pyglet</a:t>
+            </a:r>
+            <a:r>
+              <a:rPr lang="en-US" dirty="0"/>
+              <a:t> (python library)</a:t>
+            </a:r>
+          </a:p>
+          <a:p>
+            <a:r>
+              <a:rPr lang="en-US" dirty="0"/>
+              <a:t>Proto.io</a:t>
+            </a:r>
+          </a:p>
+          <a:p>
+            <a:r>
+              <a:rPr lang="en-US" dirty="0"/>
+              <a:t>GitHub</a:t>
+            </a:r>
+          </a:p>
+          <a:p>
+            <a:r>
+              <a:rPr lang="en-US" dirty="0"/>
+              <a:t>Graphics</a:t>
+            </a:r>
+          </a:p>
+          <a:p>
+            <a:pPr lvl="1"/>
+            <a:r>
+              <a:rPr lang="en-US" dirty="0"/>
+              <a:t>PIXEL</a:t>
+            </a:r>
+          </a:p>
+          <a:p>
+            <a:pPr lvl="1"/>
+            <a:r>
+              <a:rPr lang="en-US" dirty="0" err="1"/>
+              <a:t>Bitmoji</a:t>
+            </a:r>
+            <a:endParaRPr lang="en-US" dirty="0"/>
+          </a:p>
+          <a:p>
+            <a:pPr lvl="1"/>
+            <a:r>
+              <a:rPr lang="en-US" dirty="0"/>
+              <a:t>Google </a:t>
+            </a:r>
+          </a:p>
+          <a:p>
+            <a:pPr lvl="1"/>
+            <a:r>
+              <a:rPr lang="en-US" dirty="0"/>
+              <a:t>logomakr.com</a:t>
+            </a:r>
+          </a:p>
+        </p:txBody>
+      </p:sp>
+    </p:spTree>
+    <p:extLst>
+      <p:ext uri="{BB962C8B-B14F-4D97-AF65-F5344CB8AC3E}">
+        <p14:creationId xmlns:p14="http://schemas.microsoft.com/office/powerpoint/2010/main" val="1562908208"/>
+      </p:ext>
+    </p:extLst>
+  </p:cSld>
+  <p:clrMapOvr>
+    <a:masterClrMapping/>
+  </p:clrMapOvr>
+</p:sld>
+</file>
+
+<file path=ppt/slides/slide6.xml><?xml version="1.0" encoding="utf-8"?>
+<p:sld xmlns:a="http://schemas.openxmlformats.org/drawingml/2006/main" xmlns:r="http://schemas.openxmlformats.org/officeDocument/2006/relationships" xmlns:p="http://schemas.openxmlformats.org/presentationml/2006/main">
+  <p:cSld>
+    <p:spTree>
+      <p:nvGrpSpPr>
+        <p:cNvPr id="1" name=""/>
+        <p:cNvGrpSpPr/>
+        <p:nvPr/>
+      </p:nvGrpSpPr>
+      <p:grpSpPr>
+        <a:xfrm>
+          <a:off x="0" y="0"/>
+          <a:ext cx="0" cy="0"/>
+          <a:chOff x="0" y="0"/>
+          <a:chExt cx="0" cy="0"/>
+        </a:xfrm>
+      </p:grpSpPr>
+      <p:sp>
+        <p:nvSpPr>
           <p:cNvPr id="2" name="TextBox 1">
             <a:extLst>
               <a:ext uri="{FF2B5EF4-FFF2-40B4-BE49-F238E27FC236}">
@@ -4553,105 +4807,6 @@
       </p:transition>
     </mc:Fallback>
   </mc:AlternateContent>
-</p:sld>
-</file>
-
-<file path=ppt/slides/slide6.xml><?xml version="1.0" encoding="utf-8"?>
-<p:sld xmlns:a="http://schemas.openxmlformats.org/drawingml/2006/main" xmlns:r="http://schemas.openxmlformats.org/officeDocument/2006/relationships" xmlns:p="http://schemas.openxmlformats.org/presentationml/2006/main">
-  <p:cSld>
-    <p:spTree>
-      <p:nvGrpSpPr>
-        <p:cNvPr id="1" name=""/>
-        <p:cNvGrpSpPr/>
-        <p:nvPr/>
-      </p:nvGrpSpPr>
-      <p:grpSpPr>
-        <a:xfrm>
-          <a:off x="0" y="0"/>
-          <a:ext cx="0" cy="0"/>
-          <a:chOff x="0" y="0"/>
-          <a:chExt cx="0" cy="0"/>
-        </a:xfrm>
-      </p:grpSpPr>
-      <p:sp>
-        <p:nvSpPr>
-          <p:cNvPr id="2" name="Title 1">
-            <a:extLst>
-              <a:ext uri="{FF2B5EF4-FFF2-40B4-BE49-F238E27FC236}">
-                <a16:creationId xmlns:a16="http://schemas.microsoft.com/office/drawing/2014/main" id="{BD1536E8-9C93-4A49-B1FC-2BA7E0B77863}"/>
-              </a:ext>
-            </a:extLst>
-          </p:cNvPr>
-          <p:cNvSpPr>
-            <a:spLocks noGrp="1"/>
-          </p:cNvSpPr>
-          <p:nvPr>
-            <p:ph type="title"/>
-          </p:nvPr>
-        </p:nvSpPr>
-        <p:spPr/>
-        <p:txBody>
-          <a:bodyPr/>
-          <a:lstStyle/>
-          <a:p>
-            <a:r>
-              <a:rPr lang="en-US" dirty="0">
-                <a:latin typeface="Agency FB" panose="020B0503020202020204" pitchFamily="34" charset="0"/>
-              </a:rPr>
-              <a:t>Credits</a:t>
-            </a:r>
-          </a:p>
-        </p:txBody>
-      </p:sp>
-      <p:sp>
-        <p:nvSpPr>
-          <p:cNvPr id="3" name="Content Placeholder 2">
-            <a:extLst>
-              <a:ext uri="{FF2B5EF4-FFF2-40B4-BE49-F238E27FC236}">
-                <a16:creationId xmlns:a16="http://schemas.microsoft.com/office/drawing/2014/main" id="{1854EBD5-6CB1-4B30-BB63-82DFBB81FAD2}"/>
-              </a:ext>
-            </a:extLst>
-          </p:cNvPr>
-          <p:cNvSpPr>
-            <a:spLocks noGrp="1"/>
-          </p:cNvSpPr>
-          <p:nvPr>
-            <p:ph idx="1"/>
-          </p:nvPr>
-        </p:nvSpPr>
-        <p:spPr/>
-        <p:txBody>
-          <a:bodyPr/>
-          <a:lstStyle/>
-          <a:p>
-            <a:r>
-              <a:rPr lang="en-US" dirty="0" err="1"/>
-              <a:t>Bitmoji</a:t>
-            </a:r>
-            <a:endParaRPr lang="en-US" dirty="0"/>
-          </a:p>
-          <a:p>
-            <a:r>
-              <a:rPr lang="en-US" dirty="0" err="1"/>
-              <a:t>Pyglet</a:t>
-            </a:r>
-            <a:r>
-              <a:rPr lang="en-US" dirty="0"/>
-              <a:t> Library</a:t>
-            </a:r>
-          </a:p>
-        </p:txBody>
-      </p:sp>
-    </p:spTree>
-    <p:extLst>
-      <p:ext uri="{BB962C8B-B14F-4D97-AF65-F5344CB8AC3E}">
-        <p14:creationId xmlns:p14="http://schemas.microsoft.com/office/powerpoint/2010/main" val="1562908208"/>
-      </p:ext>
-    </p:extLst>
-  </p:cSld>
-  <p:clrMapOvr>
-    <a:masterClrMapping/>
-  </p:clrMapOvr>
 </p:sld>
 </file>
 

--- a/SheInnovates19 Presentation.pptx
+++ b/SheInnovates19 Presentation.pptx
@@ -3376,12 +3376,15 @@
               </a:rPr>
               <a:t>CodHer</a:t>
             </a:r>
-            <a:endParaRPr lang="en-US" dirty="0">
-              <a:solidFill>
-                <a:srgbClr val="EF43A5"/>
-              </a:solidFill>
-              <a:latin typeface="Agency FB" panose="020B0503020202020204" pitchFamily="34" charset="0"/>
-            </a:endParaRPr>
+            <a:r>
+              <a:rPr lang="en-US" dirty="0">
+                <a:solidFill>
+                  <a:srgbClr val="EF43A5"/>
+                </a:solidFill>
+                <a:latin typeface="Agency FB" panose="020B0503020202020204" pitchFamily="34" charset="0"/>
+              </a:rPr>
+              <a:t>()</a:t>
+            </a:r>
           </a:p>
         </p:txBody>
       </p:sp>
@@ -3741,12 +3744,15 @@
               </a:rPr>
               <a:t>CodHer</a:t>
             </a:r>
-            <a:endParaRPr lang="en-US" sz="6000" dirty="0">
-              <a:solidFill>
-                <a:srgbClr val="EF43A5"/>
-              </a:solidFill>
-              <a:latin typeface="Agency FB" panose="020B0503020202020204" pitchFamily="34" charset="0"/>
-            </a:endParaRPr>
+            <a:r>
+              <a:rPr lang="en-US" sz="6000" dirty="0">
+                <a:solidFill>
+                  <a:srgbClr val="EF43A5"/>
+                </a:solidFill>
+                <a:latin typeface="Agency FB" panose="020B0503020202020204" pitchFamily="34" charset="0"/>
+              </a:rPr>
+              <a:t>()</a:t>
+            </a:r>
           </a:p>
         </p:txBody>
       </p:sp>
@@ -4069,6 +4075,36 @@
           </a:p>
         </p:txBody>
       </p:sp>
+      <p:pic>
+        <p:nvPicPr>
+          <p:cNvPr id="10" name="Picture 9">
+            <a:extLst>
+              <a:ext uri="{FF2B5EF4-FFF2-40B4-BE49-F238E27FC236}">
+                <a16:creationId xmlns:a16="http://schemas.microsoft.com/office/drawing/2014/main" id="{6147AD1E-4478-4596-907A-C86D01B40736}"/>
+              </a:ext>
+            </a:extLst>
+          </p:cNvPr>
+          <p:cNvPicPr>
+            <a:picLocks noChangeAspect="1"/>
+          </p:cNvPicPr>
+          <p:nvPr/>
+        </p:nvPicPr>
+        <p:blipFill>
+          <a:blip r:embed="rId6"/>
+          <a:stretch>
+            <a:fillRect/>
+          </a:stretch>
+        </p:blipFill>
+        <p:spPr>
+          <a:xfrm>
+            <a:off x="10177305" y="-17771"/>
+            <a:ext cx="2014695" cy="1912644"/>
+          </a:xfrm>
+          <a:prstGeom prst="rect">
+            <a:avLst/>
+          </a:prstGeom>
+        </p:spPr>
+      </p:pic>
     </p:spTree>
     <p:extLst>
       <p:ext uri="{BB962C8B-B14F-4D97-AF65-F5344CB8AC3E}">
@@ -4178,6 +4214,15 @@
               </a:rPr>
               <a:t>CodHer</a:t>
             </a:r>
+            <a:r>
+              <a:rPr lang="en-US" sz="6000" dirty="0">
+                <a:solidFill>
+                  <a:srgbClr val="EF43A5"/>
+                </a:solidFill>
+                <a:latin typeface="Agency FB" panose="020B0503020202020204" pitchFamily="34" charset="0"/>
+              </a:rPr>
+              <a:t>()</a:t>
+            </a:r>
             <a:endParaRPr lang="en-US" sz="6000" dirty="0"/>
           </a:p>
         </p:txBody>
@@ -4280,6 +4325,36 @@
           </a:p>
         </p:txBody>
       </p:sp>
+      <p:pic>
+        <p:nvPicPr>
+          <p:cNvPr id="6" name="Picture 5">
+            <a:extLst>
+              <a:ext uri="{FF2B5EF4-FFF2-40B4-BE49-F238E27FC236}">
+                <a16:creationId xmlns:a16="http://schemas.microsoft.com/office/drawing/2014/main" id="{D46B2DA2-6F2E-43F4-82A3-695C9E2FF54E}"/>
+              </a:ext>
+            </a:extLst>
+          </p:cNvPr>
+          <p:cNvPicPr>
+            <a:picLocks noChangeAspect="1"/>
+          </p:cNvPicPr>
+          <p:nvPr/>
+        </p:nvPicPr>
+        <p:blipFill>
+          <a:blip r:embed="rId4"/>
+          <a:stretch>
+            <a:fillRect/>
+          </a:stretch>
+        </p:blipFill>
+        <p:spPr>
+          <a:xfrm>
+            <a:off x="10177305" y="-17771"/>
+            <a:ext cx="2014695" cy="1912644"/>
+          </a:xfrm>
+          <a:prstGeom prst="rect">
+            <a:avLst/>
+          </a:prstGeom>
+        </p:spPr>
+      </p:pic>
     </p:spTree>
     <p:extLst>
       <p:ext uri="{BB962C8B-B14F-4D97-AF65-F5344CB8AC3E}">
@@ -4346,7 +4421,7 @@
         </p:spPr>
         <p:txBody>
           <a:bodyPr>
-            <a:normAutofit/>
+            <a:normAutofit lnSpcReduction="10000"/>
           </a:bodyPr>
           <a:lstStyle/>
           <a:p>
@@ -4415,7 +4490,19 @@
               <a:rPr lang="en-US" sz="3200" dirty="0">
                 <a:latin typeface="Agency FB" panose="020B0503020202020204" pitchFamily="34" charset="0"/>
               </a:rPr>
-              <a:t>basic algorithms and more!</a:t>
+              <a:t>basic algorithms </a:t>
+            </a:r>
+          </a:p>
+          <a:p>
+            <a:pPr marL="457200" indent="-457200" algn="l">
+              <a:buFont typeface="Arial" panose="020B0604020202020204" pitchFamily="34" charset="0"/>
+              <a:buChar char="•"/>
+            </a:pPr>
+            <a:r>
+              <a:rPr lang="en-US" sz="3200" dirty="0">
+                <a:latin typeface="Agency FB" panose="020B0503020202020204" pitchFamily="34" charset="0"/>
+              </a:rPr>
+              <a:t>security and more!</a:t>
             </a:r>
           </a:p>
         </p:txBody>
@@ -4434,7 +4521,7 @@
         </p:nvSpPr>
         <p:spPr>
           <a:xfrm>
-            <a:off x="871537" y="561975"/>
+            <a:off x="871537" y="552644"/>
             <a:ext cx="10448925" cy="1015663"/>
           </a:xfrm>
           <a:prstGeom prst="rect">
@@ -4457,10 +4544,49 @@
               </a:rPr>
               <a:t>CodHer</a:t>
             </a:r>
+            <a:r>
+              <a:rPr lang="en-US" sz="6000" dirty="0">
+                <a:solidFill>
+                  <a:srgbClr val="EF43A5"/>
+                </a:solidFill>
+                <a:latin typeface="Agency FB" panose="020B0503020202020204" pitchFamily="34" charset="0"/>
+              </a:rPr>
+              <a:t>()</a:t>
+            </a:r>
             <a:endParaRPr lang="en-US" sz="6000" dirty="0"/>
           </a:p>
         </p:txBody>
       </p:sp>
+      <p:pic>
+        <p:nvPicPr>
+          <p:cNvPr id="5" name="Picture 4">
+            <a:extLst>
+              <a:ext uri="{FF2B5EF4-FFF2-40B4-BE49-F238E27FC236}">
+                <a16:creationId xmlns:a16="http://schemas.microsoft.com/office/drawing/2014/main" id="{1CD1209C-18E4-469F-83DE-249555F36E77}"/>
+              </a:ext>
+            </a:extLst>
+          </p:cNvPr>
+          <p:cNvPicPr>
+            <a:picLocks noChangeAspect="1"/>
+          </p:cNvPicPr>
+          <p:nvPr/>
+        </p:nvPicPr>
+        <p:blipFill>
+          <a:blip r:embed="rId2"/>
+          <a:stretch>
+            <a:fillRect/>
+          </a:stretch>
+        </p:blipFill>
+        <p:spPr>
+          <a:xfrm>
+            <a:off x="10177305" y="-17771"/>
+            <a:ext cx="2014695" cy="1912644"/>
+          </a:xfrm>
+          <a:prstGeom prst="rect">
+            <a:avLst/>
+          </a:prstGeom>
+        </p:spPr>
+      </p:pic>
     </p:spTree>
     <p:extLst>
       <p:ext uri="{BB962C8B-B14F-4D97-AF65-F5344CB8AC3E}">
@@ -4623,6 +4749,86 @@
           </a:p>
         </p:txBody>
       </p:sp>
+      <p:sp>
+        <p:nvSpPr>
+          <p:cNvPr id="5" name="TextBox 4">
+            <a:extLst>
+              <a:ext uri="{FF2B5EF4-FFF2-40B4-BE49-F238E27FC236}">
+                <a16:creationId xmlns:a16="http://schemas.microsoft.com/office/drawing/2014/main" id="{63FD3DC3-3810-40EF-BE5A-5FA22B5242F3}"/>
+              </a:ext>
+            </a:extLst>
+          </p:cNvPr>
+          <p:cNvSpPr txBox="1"/>
+          <p:nvPr/>
+        </p:nvSpPr>
+        <p:spPr>
+          <a:xfrm>
+            <a:off x="9325072" y="5581844"/>
+            <a:ext cx="10448925" cy="1015663"/>
+          </a:xfrm>
+          <a:prstGeom prst="rect">
+            <a:avLst/>
+          </a:prstGeom>
+          <a:noFill/>
+        </p:spPr>
+        <p:txBody>
+          <a:bodyPr wrap="square" rtlCol="0">
+            <a:spAutoFit/>
+          </a:bodyPr>
+          <a:lstStyle/>
+          <a:p>
+            <a:r>
+              <a:rPr lang="en-US" sz="6000" dirty="0" err="1">
+                <a:solidFill>
+                  <a:srgbClr val="EF43A5"/>
+                </a:solidFill>
+                <a:latin typeface="Agency FB" panose="020B0503020202020204" pitchFamily="34" charset="0"/>
+              </a:rPr>
+              <a:t>CodHer</a:t>
+            </a:r>
+            <a:r>
+              <a:rPr lang="en-US" sz="6000" dirty="0">
+                <a:solidFill>
+                  <a:srgbClr val="EF43A5"/>
+                </a:solidFill>
+                <a:latin typeface="Agency FB" panose="020B0503020202020204" pitchFamily="34" charset="0"/>
+              </a:rPr>
+              <a:t>()</a:t>
+            </a:r>
+            <a:endParaRPr lang="en-US" sz="6000" dirty="0"/>
+          </a:p>
+        </p:txBody>
+      </p:sp>
+      <p:pic>
+        <p:nvPicPr>
+          <p:cNvPr id="6" name="Picture 5">
+            <a:extLst>
+              <a:ext uri="{FF2B5EF4-FFF2-40B4-BE49-F238E27FC236}">
+                <a16:creationId xmlns:a16="http://schemas.microsoft.com/office/drawing/2014/main" id="{5EA025E5-8C69-4707-A9B7-150D61322827}"/>
+              </a:ext>
+            </a:extLst>
+          </p:cNvPr>
+          <p:cNvPicPr>
+            <a:picLocks noChangeAspect="1"/>
+          </p:cNvPicPr>
+          <p:nvPr/>
+        </p:nvPicPr>
+        <p:blipFill>
+          <a:blip r:embed="rId2"/>
+          <a:stretch>
+            <a:fillRect/>
+          </a:stretch>
+        </p:blipFill>
+        <p:spPr>
+          <a:xfrm>
+            <a:off x="10177305" y="-17771"/>
+            <a:ext cx="2014695" cy="1912644"/>
+          </a:xfrm>
+          <a:prstGeom prst="rect">
+            <a:avLst/>
+          </a:prstGeom>
+        </p:spPr>
+      </p:pic>
     </p:spTree>
     <p:extLst>
       <p:ext uri="{BB962C8B-B14F-4D97-AF65-F5344CB8AC3E}">
@@ -4633,6 +4839,18 @@
   <p:clrMapOvr>
     <a:masterClrMapping/>
   </p:clrMapOvr>
+  <mc:AlternateContent xmlns:mc="http://schemas.openxmlformats.org/markup-compatibility/2006">
+    <mc:Choice xmlns:p159="http://schemas.microsoft.com/office/powerpoint/2015/09/main" Requires="p159">
+      <p:transition xmlns:p14="http://schemas.microsoft.com/office/powerpoint/2010/main" spd="slow" p14:dur="2000">
+        <p159:morph option="byObject"/>
+      </p:transition>
+    </mc:Choice>
+    <mc:Fallback>
+      <p:transition spd="slow">
+        <p:fade/>
+      </p:transition>
+    </mc:Fallback>
+  </mc:AlternateContent>
 </p:sld>
 </file>
 
@@ -4667,7 +4885,7 @@
         </p:nvSpPr>
         <p:spPr>
           <a:xfrm>
-            <a:off x="4947047" y="2857500"/>
+            <a:off x="4766072" y="2866830"/>
             <a:ext cx="6134100" cy="1323439"/>
           </a:xfrm>
           <a:prstGeom prst="rect">
@@ -4697,7 +4915,7 @@
                 </a:solidFill>
                 <a:latin typeface="Agency FB" panose="020B0503020202020204" pitchFamily="34" charset="0"/>
               </a:rPr>
-              <a:t> </a:t>
+              <a:t>() </a:t>
             </a:r>
           </a:p>
         </p:txBody>

--- a/SheInnovates19 Presentation.pptx
+++ b/SheInnovates19 Presentation.pptx
@@ -9,8 +9,8 @@
     <p:sldId id="258" r:id="rId3"/>
     <p:sldId id="257" r:id="rId4"/>
     <p:sldId id="260" r:id="rId5"/>
-    <p:sldId id="261" r:id="rId6"/>
-    <p:sldId id="259" r:id="rId7"/>
+    <p:sldId id="259" r:id="rId6"/>
+    <p:sldId id="261" r:id="rId7"/>
   </p:sldIdLst>
   <p:sldSz cx="12192000" cy="6858000"/>
   <p:notesSz cx="6858000" cy="9144000"/>
@@ -3359,7 +3359,7 @@
         </p:nvSpPr>
         <p:spPr>
           <a:xfrm>
-            <a:off x="1523999" y="1796053"/>
+            <a:off x="1617305" y="1908488"/>
             <a:ext cx="9144000" cy="2387600"/>
           </a:xfrm>
         </p:spPr>
@@ -3770,7 +3770,7 @@
         </p:nvSpPr>
         <p:spPr>
           <a:xfrm>
-            <a:off x="838200" y="1333969"/>
+            <a:off x="838200" y="1411748"/>
             <a:ext cx="10058400" cy="4462760"/>
           </a:xfrm>
           <a:prstGeom prst="rect">
@@ -4631,248 +4631,6 @@
       </p:grpSpPr>
       <p:sp>
         <p:nvSpPr>
-          <p:cNvPr id="2" name="Title 1">
-            <a:extLst>
-              <a:ext uri="{FF2B5EF4-FFF2-40B4-BE49-F238E27FC236}">
-                <a16:creationId xmlns:a16="http://schemas.microsoft.com/office/drawing/2014/main" id="{BD1536E8-9C93-4A49-B1FC-2BA7E0B77863}"/>
-              </a:ext>
-            </a:extLst>
-          </p:cNvPr>
-          <p:cNvSpPr>
-            <a:spLocks noGrp="1"/>
-          </p:cNvSpPr>
-          <p:nvPr>
-            <p:ph type="title"/>
-          </p:nvPr>
-        </p:nvSpPr>
-        <p:spPr/>
-        <p:txBody>
-          <a:bodyPr/>
-          <a:lstStyle/>
-          <a:p>
-            <a:r>
-              <a:rPr lang="en-US" dirty="0">
-                <a:latin typeface="Agency FB" panose="020B0503020202020204" pitchFamily="34" charset="0"/>
-              </a:rPr>
-              <a:t>Technology and Resources we used</a:t>
-            </a:r>
-          </a:p>
-        </p:txBody>
-      </p:sp>
-      <p:sp>
-        <p:nvSpPr>
-          <p:cNvPr id="3" name="Content Placeholder 2">
-            <a:extLst>
-              <a:ext uri="{FF2B5EF4-FFF2-40B4-BE49-F238E27FC236}">
-                <a16:creationId xmlns:a16="http://schemas.microsoft.com/office/drawing/2014/main" id="{1854EBD5-6CB1-4B30-BB63-82DFBB81FAD2}"/>
-              </a:ext>
-            </a:extLst>
-          </p:cNvPr>
-          <p:cNvSpPr>
-            <a:spLocks noGrp="1"/>
-          </p:cNvSpPr>
-          <p:nvPr>
-            <p:ph idx="1"/>
-          </p:nvPr>
-        </p:nvSpPr>
-        <p:spPr>
-          <a:xfrm>
-            <a:off x="838200" y="1592360"/>
-            <a:ext cx="10515600" cy="4351338"/>
-          </a:xfrm>
-        </p:spPr>
-        <p:txBody>
-          <a:bodyPr/>
-          <a:lstStyle/>
-          <a:p>
-            <a:r>
-              <a:rPr lang="en-US" dirty="0"/>
-              <a:t>Python</a:t>
-            </a:r>
-          </a:p>
-          <a:p>
-            <a:r>
-              <a:rPr lang="en-US" dirty="0" err="1"/>
-              <a:t>Pyglet</a:t>
-            </a:r>
-            <a:r>
-              <a:rPr lang="en-US" dirty="0"/>
-              <a:t> (python library)</a:t>
-            </a:r>
-          </a:p>
-          <a:p>
-            <a:r>
-              <a:rPr lang="en-US" dirty="0"/>
-              <a:t>Proto.io</a:t>
-            </a:r>
-          </a:p>
-          <a:p>
-            <a:r>
-              <a:rPr lang="en-US" dirty="0"/>
-              <a:t>GitHub</a:t>
-            </a:r>
-          </a:p>
-          <a:p>
-            <a:r>
-              <a:rPr lang="en-US" dirty="0"/>
-              <a:t>Graphics</a:t>
-            </a:r>
-          </a:p>
-          <a:p>
-            <a:pPr lvl="1"/>
-            <a:r>
-              <a:rPr lang="en-US" dirty="0"/>
-              <a:t>PIXEL</a:t>
-            </a:r>
-          </a:p>
-          <a:p>
-            <a:pPr lvl="1"/>
-            <a:r>
-              <a:rPr lang="en-US" dirty="0" err="1"/>
-              <a:t>Bitmoji</a:t>
-            </a:r>
-            <a:endParaRPr lang="en-US" dirty="0"/>
-          </a:p>
-          <a:p>
-            <a:pPr lvl="1"/>
-            <a:r>
-              <a:rPr lang="en-US" dirty="0"/>
-              <a:t>Google </a:t>
-            </a:r>
-          </a:p>
-          <a:p>
-            <a:pPr lvl="1"/>
-            <a:r>
-              <a:rPr lang="en-US" dirty="0"/>
-              <a:t>logomakr.com</a:t>
-            </a:r>
-          </a:p>
-        </p:txBody>
-      </p:sp>
-      <p:sp>
-        <p:nvSpPr>
-          <p:cNvPr id="5" name="TextBox 4">
-            <a:extLst>
-              <a:ext uri="{FF2B5EF4-FFF2-40B4-BE49-F238E27FC236}">
-                <a16:creationId xmlns:a16="http://schemas.microsoft.com/office/drawing/2014/main" id="{63FD3DC3-3810-40EF-BE5A-5FA22B5242F3}"/>
-              </a:ext>
-            </a:extLst>
-          </p:cNvPr>
-          <p:cNvSpPr txBox="1"/>
-          <p:nvPr/>
-        </p:nvSpPr>
-        <p:spPr>
-          <a:xfrm>
-            <a:off x="9325072" y="5581844"/>
-            <a:ext cx="10448925" cy="1015663"/>
-          </a:xfrm>
-          <a:prstGeom prst="rect">
-            <a:avLst/>
-          </a:prstGeom>
-          <a:noFill/>
-        </p:spPr>
-        <p:txBody>
-          <a:bodyPr wrap="square" rtlCol="0">
-            <a:spAutoFit/>
-          </a:bodyPr>
-          <a:lstStyle/>
-          <a:p>
-            <a:r>
-              <a:rPr lang="en-US" sz="6000" dirty="0" err="1">
-                <a:solidFill>
-                  <a:srgbClr val="EF43A5"/>
-                </a:solidFill>
-                <a:latin typeface="Agency FB" panose="020B0503020202020204" pitchFamily="34" charset="0"/>
-              </a:rPr>
-              <a:t>CodHer</a:t>
-            </a:r>
-            <a:r>
-              <a:rPr lang="en-US" sz="6000" dirty="0">
-                <a:solidFill>
-                  <a:srgbClr val="EF43A5"/>
-                </a:solidFill>
-                <a:latin typeface="Agency FB" panose="020B0503020202020204" pitchFamily="34" charset="0"/>
-              </a:rPr>
-              <a:t>()</a:t>
-            </a:r>
-            <a:endParaRPr lang="en-US" sz="6000" dirty="0"/>
-          </a:p>
-        </p:txBody>
-      </p:sp>
-      <p:pic>
-        <p:nvPicPr>
-          <p:cNvPr id="6" name="Picture 5">
-            <a:extLst>
-              <a:ext uri="{FF2B5EF4-FFF2-40B4-BE49-F238E27FC236}">
-                <a16:creationId xmlns:a16="http://schemas.microsoft.com/office/drawing/2014/main" id="{5EA025E5-8C69-4707-A9B7-150D61322827}"/>
-              </a:ext>
-            </a:extLst>
-          </p:cNvPr>
-          <p:cNvPicPr>
-            <a:picLocks noChangeAspect="1"/>
-          </p:cNvPicPr>
-          <p:nvPr/>
-        </p:nvPicPr>
-        <p:blipFill>
-          <a:blip r:embed="rId2"/>
-          <a:stretch>
-            <a:fillRect/>
-          </a:stretch>
-        </p:blipFill>
-        <p:spPr>
-          <a:xfrm>
-            <a:off x="10177305" y="-17771"/>
-            <a:ext cx="2014695" cy="1912644"/>
-          </a:xfrm>
-          <a:prstGeom prst="rect">
-            <a:avLst/>
-          </a:prstGeom>
-        </p:spPr>
-      </p:pic>
-    </p:spTree>
-    <p:extLst>
-      <p:ext uri="{BB962C8B-B14F-4D97-AF65-F5344CB8AC3E}">
-        <p14:creationId xmlns:p14="http://schemas.microsoft.com/office/powerpoint/2010/main" val="1562908208"/>
-      </p:ext>
-    </p:extLst>
-  </p:cSld>
-  <p:clrMapOvr>
-    <a:masterClrMapping/>
-  </p:clrMapOvr>
-  <mc:AlternateContent xmlns:mc="http://schemas.openxmlformats.org/markup-compatibility/2006">
-    <mc:Choice xmlns:p159="http://schemas.microsoft.com/office/powerpoint/2015/09/main" Requires="p159">
-      <p:transition xmlns:p14="http://schemas.microsoft.com/office/powerpoint/2010/main" spd="slow" p14:dur="2000">
-        <p159:morph option="byObject"/>
-      </p:transition>
-    </mc:Choice>
-    <mc:Fallback>
-      <p:transition spd="slow">
-        <p:fade/>
-      </p:transition>
-    </mc:Fallback>
-  </mc:AlternateContent>
-</p:sld>
-</file>
-
-<file path=ppt/slides/slide6.xml><?xml version="1.0" encoding="utf-8"?>
-<p:sld xmlns:a="http://schemas.openxmlformats.org/drawingml/2006/main" xmlns:r="http://schemas.openxmlformats.org/officeDocument/2006/relationships" xmlns:p="http://schemas.openxmlformats.org/presentationml/2006/main">
-  <p:cSld>
-    <p:spTree>
-      <p:nvGrpSpPr>
-        <p:cNvPr id="1" name=""/>
-        <p:cNvGrpSpPr/>
-        <p:nvPr/>
-      </p:nvGrpSpPr>
-      <p:grpSpPr>
-        <a:xfrm>
-          <a:off x="0" y="0"/>
-          <a:ext cx="0" cy="0"/>
-          <a:chOff x="0" y="0"/>
-          <a:chExt cx="0" cy="0"/>
-        </a:xfrm>
-      </p:grpSpPr>
-      <p:sp>
-        <p:nvSpPr>
           <p:cNvPr id="2" name="TextBox 1">
             <a:extLst>
               <a:ext uri="{FF2B5EF4-FFF2-40B4-BE49-F238E27FC236}">
@@ -5007,6 +4765,248 @@
     <p:extLst>
       <p:ext uri="{BB962C8B-B14F-4D97-AF65-F5344CB8AC3E}">
         <p14:creationId xmlns:p14="http://schemas.microsoft.com/office/powerpoint/2010/main" val="343693121"/>
+      </p:ext>
+    </p:extLst>
+  </p:cSld>
+  <p:clrMapOvr>
+    <a:masterClrMapping/>
+  </p:clrMapOvr>
+  <mc:AlternateContent xmlns:mc="http://schemas.openxmlformats.org/markup-compatibility/2006" xmlns:p159="http://schemas.microsoft.com/office/powerpoint/2015/09/main">
+    <mc:Choice Requires="p159">
+      <p:transition xmlns:p14="http://schemas.microsoft.com/office/powerpoint/2010/main" spd="slow" p14:dur="2000">
+        <p159:morph option="byObject"/>
+      </p:transition>
+    </mc:Choice>
+    <mc:Fallback xmlns="">
+      <p:transition spd="slow">
+        <p:fade/>
+      </p:transition>
+    </mc:Fallback>
+  </mc:AlternateContent>
+</p:sld>
+</file>
+
+<file path=ppt/slides/slide6.xml><?xml version="1.0" encoding="utf-8"?>
+<p:sld xmlns:a="http://schemas.openxmlformats.org/drawingml/2006/main" xmlns:r="http://schemas.openxmlformats.org/officeDocument/2006/relationships" xmlns:p="http://schemas.openxmlformats.org/presentationml/2006/main">
+  <p:cSld>
+    <p:spTree>
+      <p:nvGrpSpPr>
+        <p:cNvPr id="1" name=""/>
+        <p:cNvGrpSpPr/>
+        <p:nvPr/>
+      </p:nvGrpSpPr>
+      <p:grpSpPr>
+        <a:xfrm>
+          <a:off x="0" y="0"/>
+          <a:ext cx="0" cy="0"/>
+          <a:chOff x="0" y="0"/>
+          <a:chExt cx="0" cy="0"/>
+        </a:xfrm>
+      </p:grpSpPr>
+      <p:sp>
+        <p:nvSpPr>
+          <p:cNvPr id="2" name="Title 1">
+            <a:extLst>
+              <a:ext uri="{FF2B5EF4-FFF2-40B4-BE49-F238E27FC236}">
+                <a16:creationId xmlns:a16="http://schemas.microsoft.com/office/drawing/2014/main" id="{BD1536E8-9C93-4A49-B1FC-2BA7E0B77863}"/>
+              </a:ext>
+            </a:extLst>
+          </p:cNvPr>
+          <p:cNvSpPr>
+            <a:spLocks noGrp="1"/>
+          </p:cNvSpPr>
+          <p:nvPr>
+            <p:ph type="title"/>
+          </p:nvPr>
+        </p:nvSpPr>
+        <p:spPr/>
+        <p:txBody>
+          <a:bodyPr/>
+          <a:lstStyle/>
+          <a:p>
+            <a:r>
+              <a:rPr lang="en-US" dirty="0">
+                <a:latin typeface="Agency FB" panose="020B0503020202020204" pitchFamily="34" charset="0"/>
+              </a:rPr>
+              <a:t>Technology and Resources we used</a:t>
+            </a:r>
+          </a:p>
+        </p:txBody>
+      </p:sp>
+      <p:sp>
+        <p:nvSpPr>
+          <p:cNvPr id="3" name="Content Placeholder 2">
+            <a:extLst>
+              <a:ext uri="{FF2B5EF4-FFF2-40B4-BE49-F238E27FC236}">
+                <a16:creationId xmlns:a16="http://schemas.microsoft.com/office/drawing/2014/main" id="{1854EBD5-6CB1-4B30-BB63-82DFBB81FAD2}"/>
+              </a:ext>
+            </a:extLst>
+          </p:cNvPr>
+          <p:cNvSpPr>
+            <a:spLocks noGrp="1"/>
+          </p:cNvSpPr>
+          <p:nvPr>
+            <p:ph idx="1"/>
+          </p:nvPr>
+        </p:nvSpPr>
+        <p:spPr>
+          <a:xfrm>
+            <a:off x="838200" y="1592360"/>
+            <a:ext cx="10515600" cy="4351338"/>
+          </a:xfrm>
+        </p:spPr>
+        <p:txBody>
+          <a:bodyPr/>
+          <a:lstStyle/>
+          <a:p>
+            <a:r>
+              <a:rPr lang="en-US" dirty="0"/>
+              <a:t>Python</a:t>
+            </a:r>
+          </a:p>
+          <a:p>
+            <a:r>
+              <a:rPr lang="en-US" dirty="0" err="1"/>
+              <a:t>Pyglet</a:t>
+            </a:r>
+            <a:r>
+              <a:rPr lang="en-US" dirty="0"/>
+              <a:t> (python library)</a:t>
+            </a:r>
+          </a:p>
+          <a:p>
+            <a:r>
+              <a:rPr lang="en-US" dirty="0"/>
+              <a:t>Proto.io</a:t>
+            </a:r>
+          </a:p>
+          <a:p>
+            <a:r>
+              <a:rPr lang="en-US" dirty="0"/>
+              <a:t>GitHub</a:t>
+            </a:r>
+          </a:p>
+          <a:p>
+            <a:r>
+              <a:rPr lang="en-US" dirty="0"/>
+              <a:t>Graphics</a:t>
+            </a:r>
+          </a:p>
+          <a:p>
+            <a:pPr lvl="1"/>
+            <a:r>
+              <a:rPr lang="en-US" dirty="0"/>
+              <a:t>PIXEL</a:t>
+            </a:r>
+          </a:p>
+          <a:p>
+            <a:pPr lvl="1"/>
+            <a:r>
+              <a:rPr lang="en-US" dirty="0" err="1"/>
+              <a:t>Bitmoji</a:t>
+            </a:r>
+            <a:endParaRPr lang="en-US" dirty="0"/>
+          </a:p>
+          <a:p>
+            <a:pPr lvl="1"/>
+            <a:r>
+              <a:rPr lang="en-US" dirty="0"/>
+              <a:t>Google </a:t>
+            </a:r>
+          </a:p>
+          <a:p>
+            <a:pPr lvl="1"/>
+            <a:r>
+              <a:rPr lang="en-US" dirty="0"/>
+              <a:t>logomakr.com</a:t>
+            </a:r>
+          </a:p>
+        </p:txBody>
+      </p:sp>
+      <p:sp>
+        <p:nvSpPr>
+          <p:cNvPr id="5" name="TextBox 4">
+            <a:extLst>
+              <a:ext uri="{FF2B5EF4-FFF2-40B4-BE49-F238E27FC236}">
+                <a16:creationId xmlns:a16="http://schemas.microsoft.com/office/drawing/2014/main" id="{63FD3DC3-3810-40EF-BE5A-5FA22B5242F3}"/>
+              </a:ext>
+            </a:extLst>
+          </p:cNvPr>
+          <p:cNvSpPr txBox="1"/>
+          <p:nvPr/>
+        </p:nvSpPr>
+        <p:spPr>
+          <a:xfrm>
+            <a:off x="9325072" y="5581844"/>
+            <a:ext cx="10448925" cy="1015663"/>
+          </a:xfrm>
+          <a:prstGeom prst="rect">
+            <a:avLst/>
+          </a:prstGeom>
+          <a:noFill/>
+        </p:spPr>
+        <p:txBody>
+          <a:bodyPr wrap="square" rtlCol="0">
+            <a:spAutoFit/>
+          </a:bodyPr>
+          <a:lstStyle/>
+          <a:p>
+            <a:r>
+              <a:rPr lang="en-US" sz="6000" dirty="0" err="1">
+                <a:solidFill>
+                  <a:srgbClr val="EF43A5"/>
+                </a:solidFill>
+                <a:latin typeface="Agency FB" panose="020B0503020202020204" pitchFamily="34" charset="0"/>
+              </a:rPr>
+              <a:t>CodHer</a:t>
+            </a:r>
+            <a:r>
+              <a:rPr lang="en-US" sz="6000" dirty="0">
+                <a:solidFill>
+                  <a:srgbClr val="EF43A5"/>
+                </a:solidFill>
+                <a:latin typeface="Agency FB" panose="020B0503020202020204" pitchFamily="34" charset="0"/>
+              </a:rPr>
+              <a:t>()</a:t>
+            </a:r>
+            <a:endParaRPr lang="en-US" sz="6000" dirty="0"/>
+          </a:p>
+        </p:txBody>
+      </p:sp>
+      <p:pic>
+        <p:nvPicPr>
+          <p:cNvPr id="6" name="Picture 5">
+            <a:extLst>
+              <a:ext uri="{FF2B5EF4-FFF2-40B4-BE49-F238E27FC236}">
+                <a16:creationId xmlns:a16="http://schemas.microsoft.com/office/drawing/2014/main" id="{5EA025E5-8C69-4707-A9B7-150D61322827}"/>
+              </a:ext>
+            </a:extLst>
+          </p:cNvPr>
+          <p:cNvPicPr>
+            <a:picLocks noChangeAspect="1"/>
+          </p:cNvPicPr>
+          <p:nvPr/>
+        </p:nvPicPr>
+        <p:blipFill>
+          <a:blip r:embed="rId2"/>
+          <a:stretch>
+            <a:fillRect/>
+          </a:stretch>
+        </p:blipFill>
+        <p:spPr>
+          <a:xfrm>
+            <a:off x="10177305" y="-17771"/>
+            <a:ext cx="2014695" cy="1912644"/>
+          </a:xfrm>
+          <a:prstGeom prst="rect">
+            <a:avLst/>
+          </a:prstGeom>
+        </p:spPr>
+      </p:pic>
+    </p:spTree>
+    <p:extLst>
+      <p:ext uri="{BB962C8B-B14F-4D97-AF65-F5344CB8AC3E}">
+        <p14:creationId xmlns:p14="http://schemas.microsoft.com/office/powerpoint/2010/main" val="1562908208"/>
       </p:ext>
     </p:extLst>
   </p:cSld>

--- a/SheInnovates19 Presentation.pptx
+++ b/SheInnovates19 Presentation.pptx
@@ -6,11 +6,14 @@
   </p:sldMasterIdLst>
   <p:sldIdLst>
     <p:sldId id="256" r:id="rId2"/>
-    <p:sldId id="258" r:id="rId3"/>
-    <p:sldId id="257" r:id="rId4"/>
-    <p:sldId id="260" r:id="rId5"/>
-    <p:sldId id="259" r:id="rId6"/>
-    <p:sldId id="261" r:id="rId7"/>
+    <p:sldId id="262" r:id="rId3"/>
+    <p:sldId id="263" r:id="rId4"/>
+    <p:sldId id="258" r:id="rId5"/>
+    <p:sldId id="257" r:id="rId6"/>
+    <p:sldId id="260" r:id="rId7"/>
+    <p:sldId id="261" r:id="rId8"/>
+    <p:sldId id="259" r:id="rId9"/>
+    <p:sldId id="264" r:id="rId10"/>
   </p:sldIdLst>
   <p:sldSz cx="12192000" cy="6858000"/>
   <p:notesSz cx="6858000" cy="9144000"/>
@@ -3714,10 +3717,10 @@
       </p:grpSpPr>
       <p:sp>
         <p:nvSpPr>
-          <p:cNvPr id="2" name="Title 1">
-            <a:extLst>
-              <a:ext uri="{FF2B5EF4-FFF2-40B4-BE49-F238E27FC236}">
-                <a16:creationId xmlns:a16="http://schemas.microsoft.com/office/drawing/2014/main" id="{16479726-DE4B-45EF-BF52-E19CD8B6F3FD}"/>
+          <p:cNvPr id="4" name="Title 3">
+            <a:extLst>
+              <a:ext uri="{FF2B5EF4-FFF2-40B4-BE49-F238E27FC236}">
+                <a16:creationId xmlns:a16="http://schemas.microsoft.com/office/drawing/2014/main" id="{03C6ACB7-8071-47C7-B50C-4617D402B1F4}"/>
               </a:ext>
             </a:extLst>
           </p:cNvPr>
@@ -3732,6 +3735,102 @@
         <p:txBody>
           <a:bodyPr>
             <a:normAutofit/>
+          </a:bodyPr>
+          <a:lstStyle/>
+          <a:p>
+            <a:r>
+              <a:rPr lang="en-US" sz="4800" dirty="0">
+                <a:solidFill>
+                  <a:srgbClr val="EF43A5"/>
+                </a:solidFill>
+                <a:latin typeface="Agency FB" panose="020B0503020202020204" pitchFamily="34" charset="0"/>
+              </a:rPr>
+              <a:t>The Problem</a:t>
+            </a:r>
+          </a:p>
+        </p:txBody>
+      </p:sp>
+      <p:sp>
+        <p:nvSpPr>
+          <p:cNvPr id="5" name="Content Placeholder 4">
+            <a:extLst>
+              <a:ext uri="{FF2B5EF4-FFF2-40B4-BE49-F238E27FC236}">
+                <a16:creationId xmlns:a16="http://schemas.microsoft.com/office/drawing/2014/main" id="{43A53ABC-73FB-4A64-A34C-A3783328BA34}"/>
+              </a:ext>
+            </a:extLst>
+          </p:cNvPr>
+          <p:cNvSpPr>
+            <a:spLocks noGrp="1"/>
+          </p:cNvSpPr>
+          <p:nvPr>
+            <p:ph idx="1"/>
+          </p:nvPr>
+        </p:nvSpPr>
+        <p:spPr>
+          <a:xfrm>
+            <a:off x="838200" y="1825625"/>
+            <a:ext cx="5358319" cy="4351338"/>
+          </a:xfrm>
+        </p:spPr>
+        <p:txBody>
+          <a:bodyPr/>
+          <a:lstStyle/>
+          <a:p>
+            <a:r>
+              <a:rPr lang="en-US" sz="3200" dirty="0">
+                <a:latin typeface="Agency FB" panose="020B0503020202020204" pitchFamily="34" charset="0"/>
+              </a:rPr>
+              <a:t>There are a lot of stereotypes that STEM careers are for men</a:t>
+            </a:r>
+          </a:p>
+          <a:p>
+            <a:r>
+              <a:rPr lang="en-US" sz="3200" dirty="0">
+                <a:latin typeface="Agency FB" panose="020B0503020202020204" pitchFamily="34" charset="0"/>
+              </a:rPr>
+              <a:t>Young women do not have a lot of easy access to technology education</a:t>
+            </a:r>
+          </a:p>
+          <a:p>
+            <a:r>
+              <a:rPr lang="en-US" sz="3200" dirty="0">
+                <a:latin typeface="Agency FB" panose="020B0503020202020204" pitchFamily="34" charset="0"/>
+              </a:rPr>
+              <a:t>Women generally believe tech related fields would be too difficult for them</a:t>
+            </a:r>
+          </a:p>
+          <a:p>
+            <a:endParaRPr lang="en-US" dirty="0">
+              <a:latin typeface="Agency FB" panose="020B0503020202020204" pitchFamily="34" charset="0"/>
+            </a:endParaRPr>
+          </a:p>
+        </p:txBody>
+      </p:sp>
+      <p:sp>
+        <p:nvSpPr>
+          <p:cNvPr id="6" name="TextBox 5">
+            <a:extLst>
+              <a:ext uri="{FF2B5EF4-FFF2-40B4-BE49-F238E27FC236}">
+                <a16:creationId xmlns:a16="http://schemas.microsoft.com/office/drawing/2014/main" id="{F45E2C82-64BD-4339-8FF4-78BCD47F5723}"/>
+              </a:ext>
+            </a:extLst>
+          </p:cNvPr>
+          <p:cNvSpPr txBox="1"/>
+          <p:nvPr/>
+        </p:nvSpPr>
+        <p:spPr>
+          <a:xfrm>
+            <a:off x="9295889" y="5611140"/>
+            <a:ext cx="10448925" cy="1015663"/>
+          </a:xfrm>
+          <a:prstGeom prst="rect">
+            <a:avLst/>
+          </a:prstGeom>
+          <a:noFill/>
+        </p:spPr>
+        <p:txBody>
+          <a:bodyPr wrap="square" rtlCol="0">
+            <a:spAutoFit/>
           </a:bodyPr>
           <a:lstStyle/>
           <a:p>
@@ -3753,111 +3852,16 @@
               </a:rPr>
               <a:t>()</a:t>
             </a:r>
-          </a:p>
-        </p:txBody>
-      </p:sp>
-      <p:sp>
-        <p:nvSpPr>
-          <p:cNvPr id="3" name="TextBox 2">
-            <a:extLst>
-              <a:ext uri="{FF2B5EF4-FFF2-40B4-BE49-F238E27FC236}">
-                <a16:creationId xmlns:a16="http://schemas.microsoft.com/office/drawing/2014/main" id="{D3517D7B-FD29-48DA-9A07-2730363396F1}"/>
-              </a:ext>
-            </a:extLst>
-          </p:cNvPr>
-          <p:cNvSpPr txBox="1"/>
-          <p:nvPr/>
-        </p:nvSpPr>
-        <p:spPr>
-          <a:xfrm>
-            <a:off x="838200" y="1411748"/>
-            <a:ext cx="10058400" cy="4462760"/>
-          </a:xfrm>
-          <a:prstGeom prst="rect">
-            <a:avLst/>
-          </a:prstGeom>
-          <a:noFill/>
-        </p:spPr>
-        <p:txBody>
-          <a:bodyPr wrap="square" rtlCol="0">
-            <a:spAutoFit/>
-          </a:bodyPr>
-          <a:lstStyle/>
-          <a:p>
-            <a:r>
-              <a:rPr lang="en-US" sz="3200" dirty="0" err="1">
-                <a:latin typeface="Agency FB" panose="020B0503020202020204" pitchFamily="34" charset="0"/>
-              </a:rPr>
-              <a:t>CodHer</a:t>
-            </a:r>
-            <a:r>
-              <a:rPr lang="en-US" sz="3200" dirty="0">
-                <a:latin typeface="Agency FB" panose="020B0503020202020204" pitchFamily="34" charset="0"/>
-              </a:rPr>
-              <a:t> is a mobile application created by women for women! </a:t>
-            </a:r>
-          </a:p>
-          <a:p>
-            <a:endParaRPr lang="en-US" sz="3200" dirty="0">
-              <a:latin typeface="Agency FB" panose="020B0503020202020204" pitchFamily="34" charset="0"/>
-            </a:endParaRPr>
-          </a:p>
-          <a:p>
-            <a:r>
-              <a:rPr lang="en-US" sz="3200" dirty="0" err="1">
-                <a:latin typeface="Agency FB" panose="020B0503020202020204" pitchFamily="34" charset="0"/>
-              </a:rPr>
-              <a:t>CodHer</a:t>
-            </a:r>
-            <a:r>
-              <a:rPr lang="en-US" sz="3200" dirty="0">
-                <a:latin typeface="Agency FB" panose="020B0503020202020204" pitchFamily="34" charset="0"/>
-              </a:rPr>
-              <a:t> is an exciting game that allows users to complete challenges and level up based on their coding abilities</a:t>
-            </a:r>
-          </a:p>
-          <a:p>
-            <a:endParaRPr lang="en-US" sz="3200" dirty="0">
-              <a:latin typeface="Agency FB" panose="020B0503020202020204" pitchFamily="34" charset="0"/>
-            </a:endParaRPr>
-          </a:p>
-          <a:p>
-            <a:r>
-              <a:rPr lang="en-US" sz="3200" dirty="0">
-                <a:latin typeface="Agency FB" panose="020B0503020202020204" pitchFamily="34" charset="0"/>
-              </a:rPr>
-              <a:t>Choose your avatar, run to the end of the course and avoid all the obstacles to complete the challenge and level up</a:t>
-            </a:r>
-            <a:r>
-              <a:rPr lang="en-US" sz="2000" dirty="0">
-                <a:latin typeface="Agency FB" panose="020B0503020202020204" pitchFamily="34" charset="0"/>
-              </a:rPr>
-              <a:t>!</a:t>
-            </a:r>
-          </a:p>
-          <a:p>
-            <a:endParaRPr lang="en-US" sz="2000" dirty="0">
-              <a:latin typeface="Agency FB" panose="020B0503020202020204" pitchFamily="34" charset="0"/>
-            </a:endParaRPr>
-          </a:p>
-          <a:p>
-            <a:endParaRPr lang="en-US" sz="2000" dirty="0">
-              <a:latin typeface="Agency FB" panose="020B0503020202020204" pitchFamily="34" charset="0"/>
-            </a:endParaRPr>
-          </a:p>
-          <a:p>
-            <a:endParaRPr lang="en-US" sz="2000" dirty="0">
-              <a:latin typeface="Agency FB" panose="020B0503020202020204" pitchFamily="34" charset="0"/>
-            </a:endParaRPr>
+            <a:endParaRPr lang="en-US" sz="6000" dirty="0"/>
           </a:p>
         </p:txBody>
       </p:sp>
       <p:pic>
         <p:nvPicPr>
-          <p:cNvPr id="9" name="Picture 8">
-            <a:extLst>
-              <a:ext uri="{FF2B5EF4-FFF2-40B4-BE49-F238E27FC236}">
-                <a16:creationId xmlns:a16="http://schemas.microsoft.com/office/drawing/2014/main" id="{E806D9D3-22B3-4D04-B42B-01301734801C}"/>
+          <p:cNvPr id="7" name="Picture 6">
+            <a:extLst>
+              <a:ext uri="{FF2B5EF4-FFF2-40B4-BE49-F238E27FC236}">
+                <a16:creationId xmlns:a16="http://schemas.microsoft.com/office/drawing/2014/main" id="{8F04CE16-A774-4F44-A3E6-32A12597869D}"/>
               </a:ext>
             </a:extLst>
           </p:cNvPr>
@@ -3867,21 +3871,15 @@
           <p:nvPr/>
         </p:nvPicPr>
         <p:blipFill>
-          <a:blip r:embed="rId2">
-            <a:extLst>
-              <a:ext uri="{28A0092B-C50C-407E-A947-70E740481C1C}">
-                <a14:useLocalDpi xmlns:a14="http://schemas.microsoft.com/office/drawing/2010/main" val="0"/>
-              </a:ext>
-            </a:extLst>
-          </a:blip>
+          <a:blip r:embed="rId2"/>
           <a:stretch>
             <a:fillRect/>
           </a:stretch>
         </p:blipFill>
         <p:spPr>
           <a:xfrm>
-            <a:off x="6643395" y="4426997"/>
-            <a:ext cx="3416069" cy="2405622"/>
+            <a:off x="10177305" y="-17771"/>
+            <a:ext cx="2014695" cy="1912644"/>
           </a:xfrm>
           <a:prstGeom prst="rect">
             <a:avLst/>
@@ -3893,7 +3891,7 @@
           <p:cNvPr id="8" name="Picture 7">
             <a:extLst>
               <a:ext uri="{FF2B5EF4-FFF2-40B4-BE49-F238E27FC236}">
-                <a16:creationId xmlns:a16="http://schemas.microsoft.com/office/drawing/2014/main" id="{3C86F6E6-594F-4518-ACF5-E665DAA9AA47}"/>
+                <a16:creationId xmlns:a16="http://schemas.microsoft.com/office/drawing/2014/main" id="{FD6EB417-D3A7-42D5-BB4B-CE49B2C26031}"/>
               </a:ext>
             </a:extLst>
           </p:cNvPr>
@@ -3903,33 +3901,180 @@
           <p:nvPr/>
         </p:nvPicPr>
         <p:blipFill>
-          <a:blip r:embed="rId3">
-            <a:extLst>
-              <a:ext uri="{28A0092B-C50C-407E-A947-70E740481C1C}">
-                <a14:useLocalDpi xmlns:a14="http://schemas.microsoft.com/office/drawing/2010/main" val="0"/>
-              </a:ext>
-            </a:extLst>
-          </a:blip>
+          <a:blip r:embed="rId3"/>
           <a:stretch>
             <a:fillRect/>
           </a:stretch>
         </p:blipFill>
         <p:spPr>
           <a:xfrm>
-            <a:off x="7036915" y="5796729"/>
-            <a:ext cx="857315" cy="924997"/>
+            <a:off x="6386639" y="305642"/>
+            <a:ext cx="3986774" cy="5034843"/>
           </a:xfrm>
           <a:prstGeom prst="rect">
             <a:avLst/>
           </a:prstGeom>
         </p:spPr>
       </p:pic>
+    </p:spTree>
+    <p:extLst>
+      <p:ext uri="{BB962C8B-B14F-4D97-AF65-F5344CB8AC3E}">
+        <p14:creationId xmlns:p14="http://schemas.microsoft.com/office/powerpoint/2010/main" val="2098936598"/>
+      </p:ext>
+    </p:extLst>
+  </p:cSld>
+  <p:clrMapOvr>
+    <a:masterClrMapping/>
+  </p:clrMapOvr>
+  <mc:AlternateContent xmlns:mc="http://schemas.openxmlformats.org/markup-compatibility/2006">
+    <mc:Choice xmlns:p159="http://schemas.microsoft.com/office/powerpoint/2015/09/main" Requires="p159">
+      <p:transition xmlns:p14="http://schemas.microsoft.com/office/powerpoint/2010/main" spd="slow" p14:dur="2000">
+        <p159:morph option="byObject"/>
+      </p:transition>
+    </mc:Choice>
+    <mc:Fallback>
+      <p:transition spd="slow">
+        <p:fade/>
+      </p:transition>
+    </mc:Fallback>
+  </mc:AlternateContent>
+</p:sld>
+</file>
+
+<file path=ppt/slides/slide3.xml><?xml version="1.0" encoding="utf-8"?>
+<p:sld xmlns:a="http://schemas.openxmlformats.org/drawingml/2006/main" xmlns:r="http://schemas.openxmlformats.org/officeDocument/2006/relationships" xmlns:p="http://schemas.openxmlformats.org/presentationml/2006/main">
+  <p:cSld>
+    <p:spTree>
+      <p:nvGrpSpPr>
+        <p:cNvPr id="1" name=""/>
+        <p:cNvGrpSpPr/>
+        <p:nvPr/>
+      </p:nvGrpSpPr>
+      <p:grpSpPr>
+        <a:xfrm>
+          <a:off x="0" y="0"/>
+          <a:ext cx="0" cy="0"/>
+          <a:chOff x="0" y="0"/>
+          <a:chExt cx="0" cy="0"/>
+        </a:xfrm>
+      </p:grpSpPr>
+      <p:sp>
+        <p:nvSpPr>
+          <p:cNvPr id="2" name="Title 1">
+            <a:extLst>
+              <a:ext uri="{FF2B5EF4-FFF2-40B4-BE49-F238E27FC236}">
+                <a16:creationId xmlns:a16="http://schemas.microsoft.com/office/drawing/2014/main" id="{A50B0208-AABD-43AD-A546-CE8F46AA14C4}"/>
+              </a:ext>
+            </a:extLst>
+          </p:cNvPr>
+          <p:cNvSpPr>
+            <a:spLocks noGrp="1"/>
+          </p:cNvSpPr>
+          <p:nvPr>
+            <p:ph type="title"/>
+          </p:nvPr>
+        </p:nvSpPr>
+        <p:spPr/>
+        <p:txBody>
+          <a:bodyPr/>
+          <a:lstStyle/>
+          <a:p>
+            <a:r>
+              <a:rPr lang="en-US" dirty="0">
+                <a:solidFill>
+                  <a:srgbClr val="EF43A5"/>
+                </a:solidFill>
+                <a:latin typeface="Agency FB" panose="020B0503020202020204" pitchFamily="34" charset="0"/>
+              </a:rPr>
+              <a:t>Our Research:</a:t>
+            </a:r>
+          </a:p>
+        </p:txBody>
+      </p:sp>
+      <p:sp>
+        <p:nvSpPr>
+          <p:cNvPr id="3" name="Content Placeholder 2">
+            <a:extLst>
+              <a:ext uri="{FF2B5EF4-FFF2-40B4-BE49-F238E27FC236}">
+                <a16:creationId xmlns:a16="http://schemas.microsoft.com/office/drawing/2014/main" id="{1CA463B5-1CC6-454E-84A3-1890EBCD7B02}"/>
+              </a:ext>
+            </a:extLst>
+          </p:cNvPr>
+          <p:cNvSpPr>
+            <a:spLocks noGrp="1"/>
+          </p:cNvSpPr>
+          <p:nvPr>
+            <p:ph idx="1"/>
+          </p:nvPr>
+        </p:nvSpPr>
+        <p:spPr/>
+        <p:txBody>
+          <a:bodyPr/>
+          <a:lstStyle/>
+          <a:p>
+            <a:r>
+              <a:rPr lang="en-US" dirty="0"/>
+              <a:t>insert pictures of graphs</a:t>
+            </a:r>
+          </a:p>
+        </p:txBody>
+      </p:sp>
+      <p:sp>
+        <p:nvSpPr>
+          <p:cNvPr id="4" name="TextBox 3">
+            <a:extLst>
+              <a:ext uri="{FF2B5EF4-FFF2-40B4-BE49-F238E27FC236}">
+                <a16:creationId xmlns:a16="http://schemas.microsoft.com/office/drawing/2014/main" id="{E6FBDD02-8F72-47D0-9E52-7CFF9CA39E0A}"/>
+              </a:ext>
+            </a:extLst>
+          </p:cNvPr>
+          <p:cNvSpPr txBox="1"/>
+          <p:nvPr/>
+        </p:nvSpPr>
+        <p:spPr>
+          <a:xfrm>
+            <a:off x="9325072" y="5581844"/>
+            <a:ext cx="10448925" cy="1015663"/>
+          </a:xfrm>
+          <a:prstGeom prst="rect">
+            <a:avLst/>
+          </a:prstGeom>
+          <a:noFill/>
+        </p:spPr>
+        <p:txBody>
+          <a:bodyPr wrap="square" rtlCol="0">
+            <a:spAutoFit/>
+          </a:bodyPr>
+          <a:lstStyle/>
+          <a:p>
+            <a:r>
+              <a:rPr lang="en-US" sz="6000" dirty="0" err="1">
+                <a:solidFill>
+                  <a:srgbClr val="EF43A5"/>
+                </a:solidFill>
+                <a:latin typeface="Agency FB" panose="020B0503020202020204" pitchFamily="34" charset="0"/>
+              </a:rPr>
+              <a:t>CodHer</a:t>
+            </a:r>
+            <a:r>
+              <a:rPr lang="en-US" sz="6000" dirty="0">
+                <a:solidFill>
+                  <a:srgbClr val="EF43A5"/>
+                </a:solidFill>
+                <a:latin typeface="Agency FB" panose="020B0503020202020204" pitchFamily="34" charset="0"/>
+              </a:rPr>
+              <a:t>()</a:t>
+            </a:r>
+            <a:endParaRPr lang="en-US" sz="6000" dirty="0"/>
+          </a:p>
+        </p:txBody>
+      </p:sp>
       <p:pic>
         <p:nvPicPr>
-          <p:cNvPr id="11" name="Picture 10">
-            <a:extLst>
-              <a:ext uri="{FF2B5EF4-FFF2-40B4-BE49-F238E27FC236}">
-                <a16:creationId xmlns:a16="http://schemas.microsoft.com/office/drawing/2014/main" id="{33864313-EC85-4558-B30A-F0EEBAEECC59}"/>
+          <p:cNvPr id="5" name="Picture 4">
+            <a:extLst>
+              <a:ext uri="{FF2B5EF4-FFF2-40B4-BE49-F238E27FC236}">
+                <a16:creationId xmlns:a16="http://schemas.microsoft.com/office/drawing/2014/main" id="{83934EB2-FDFC-46EC-A262-30EDF01AB358}"/>
               </a:ext>
             </a:extLst>
           </p:cNvPr>
@@ -3938,45 +4083,128 @@
           </p:cNvPicPr>
           <p:nvPr/>
         </p:nvPicPr>
-        <p:blipFill rotWithShape="1">
-          <a:blip r:embed="rId4">
-            <a:extLst>
-              <a:ext uri="{BEBA8EAE-BF5A-486C-A8C5-ECC9F3942E4B}">
-                <a14:imgProps xmlns:a14="http://schemas.microsoft.com/office/drawing/2010/main">
-                  <a14:imgLayer r:embed="rId5">
-                    <a14:imgEffect>
-                      <a14:backgroundRemoval t="10000" b="94000" l="3333" r="30333">
-                        <a14:foregroundMark x1="4667" y1="67000" x2="4667" y2="67000"/>
-                        <a14:foregroundMark x1="9667" y1="94000" x2="9667" y2="94000"/>
-                      </a14:backgroundRemoval>
-                    </a14:imgEffect>
-                  </a14:imgLayer>
-                </a14:imgProps>
-              </a:ext>
-              <a:ext uri="{28A0092B-C50C-407E-A947-70E740481C1C}">
-                <a14:useLocalDpi xmlns:a14="http://schemas.microsoft.com/office/drawing/2010/main" val="0"/>
-              </a:ext>
-            </a:extLst>
-          </a:blip>
-          <a:srcRect r="66109"/>
-          <a:stretch/>
+        <p:blipFill>
+          <a:blip r:embed="rId2"/>
+          <a:stretch>
+            <a:fillRect/>
+          </a:stretch>
         </p:blipFill>
         <p:spPr>
           <a:xfrm>
-            <a:off x="8351430" y="6091178"/>
-            <a:ext cx="641099" cy="630547"/>
+            <a:off x="10177305" y="-17771"/>
+            <a:ext cx="2014695" cy="1912644"/>
           </a:xfrm>
           <a:prstGeom prst="rect">
             <a:avLst/>
           </a:prstGeom>
         </p:spPr>
       </p:pic>
-      <p:sp>
-        <p:nvSpPr>
-          <p:cNvPr id="12" name="Text Box 4">
-            <a:extLst>
-              <a:ext uri="{FF2B5EF4-FFF2-40B4-BE49-F238E27FC236}">
-                <a16:creationId xmlns:a16="http://schemas.microsoft.com/office/drawing/2014/main" id="{5D984986-3E33-4394-8E1F-31A0A186596B}"/>
+    </p:spTree>
+    <p:extLst>
+      <p:ext uri="{BB962C8B-B14F-4D97-AF65-F5344CB8AC3E}">
+        <p14:creationId xmlns:p14="http://schemas.microsoft.com/office/powerpoint/2010/main" val="3965111338"/>
+      </p:ext>
+    </p:extLst>
+  </p:cSld>
+  <p:clrMapOvr>
+    <a:masterClrMapping/>
+  </p:clrMapOvr>
+  <mc:AlternateContent xmlns:mc="http://schemas.openxmlformats.org/markup-compatibility/2006">
+    <mc:Choice xmlns:p159="http://schemas.microsoft.com/office/powerpoint/2015/09/main" Requires="p159">
+      <p:transition xmlns:p14="http://schemas.microsoft.com/office/powerpoint/2010/main" spd="slow" p14:dur="2000">
+        <p159:morph option="byObject"/>
+      </p:transition>
+    </mc:Choice>
+    <mc:Fallback>
+      <p:transition spd="slow">
+        <p:fade/>
+      </p:transition>
+    </mc:Fallback>
+  </mc:AlternateContent>
+</p:sld>
+</file>
+
+<file path=ppt/slides/slide4.xml><?xml version="1.0" encoding="utf-8"?>
+<p:sld xmlns:a="http://schemas.openxmlformats.org/drawingml/2006/main" xmlns:r="http://schemas.openxmlformats.org/officeDocument/2006/relationships" xmlns:p="http://schemas.openxmlformats.org/presentationml/2006/main">
+  <p:cSld>
+    <p:spTree>
+      <p:nvGrpSpPr>
+        <p:cNvPr id="1" name=""/>
+        <p:cNvGrpSpPr/>
+        <p:nvPr/>
+      </p:nvGrpSpPr>
+      <p:grpSpPr>
+        <a:xfrm>
+          <a:off x="0" y="0"/>
+          <a:ext cx="0" cy="0"/>
+          <a:chOff x="0" y="0"/>
+          <a:chExt cx="0" cy="0"/>
+        </a:xfrm>
+      </p:grpSpPr>
+      <p:sp>
+        <p:nvSpPr>
+          <p:cNvPr id="2" name="Title 1">
+            <a:extLst>
+              <a:ext uri="{FF2B5EF4-FFF2-40B4-BE49-F238E27FC236}">
+                <a16:creationId xmlns:a16="http://schemas.microsoft.com/office/drawing/2014/main" id="{16479726-DE4B-45EF-BF52-E19CD8B6F3FD}"/>
+              </a:ext>
+            </a:extLst>
+          </p:cNvPr>
+          <p:cNvSpPr>
+            <a:spLocks noGrp="1"/>
+          </p:cNvSpPr>
+          <p:nvPr>
+            <p:ph type="title"/>
+          </p:nvPr>
+        </p:nvSpPr>
+        <p:spPr>
+          <a:xfrm>
+            <a:off x="754224" y="458722"/>
+            <a:ext cx="10515600" cy="1325563"/>
+          </a:xfrm>
+        </p:spPr>
+        <p:txBody>
+          <a:bodyPr>
+            <a:normAutofit/>
+          </a:bodyPr>
+          <a:lstStyle/>
+          <a:p>
+            <a:r>
+              <a:rPr lang="en-US" sz="6000" dirty="0">
+                <a:solidFill>
+                  <a:srgbClr val="EF43A5"/>
+                </a:solidFill>
+                <a:latin typeface="Agency FB" panose="020B0503020202020204" pitchFamily="34" charset="0"/>
+              </a:rPr>
+              <a:t>Solution: </a:t>
+            </a:r>
+            <a:r>
+              <a:rPr lang="en-US" sz="6000" dirty="0" err="1">
+                <a:solidFill>
+                  <a:srgbClr val="EF43A5"/>
+                </a:solidFill>
+                <a:latin typeface="Agency FB" panose="020B0503020202020204" pitchFamily="34" charset="0"/>
+              </a:rPr>
+              <a:t>CodHer</a:t>
+            </a:r>
+            <a:r>
+              <a:rPr lang="en-US" sz="6000" dirty="0">
+                <a:solidFill>
+                  <a:srgbClr val="EF43A5"/>
+                </a:solidFill>
+                <a:latin typeface="Agency FB" panose="020B0503020202020204" pitchFamily="34" charset="0"/>
+              </a:rPr>
+              <a:t>()</a:t>
+            </a:r>
+          </a:p>
+        </p:txBody>
+      </p:sp>
+      <p:sp>
+        <p:nvSpPr>
+          <p:cNvPr id="3" name="TextBox 2">
+            <a:extLst>
+              <a:ext uri="{FF2B5EF4-FFF2-40B4-BE49-F238E27FC236}">
+                <a16:creationId xmlns:a16="http://schemas.microsoft.com/office/drawing/2014/main" id="{D3517D7B-FD29-48DA-9A07-2730363396F1}"/>
               </a:ext>
             </a:extLst>
           </p:cNvPr>
@@ -3985,96 +4213,347 @@
         </p:nvSpPr>
         <p:spPr>
           <a:xfrm>
-            <a:off x="7763090" y="5524031"/>
-            <a:ext cx="2545170" cy="1091918"/>
+            <a:off x="754224" y="1662565"/>
+            <a:ext cx="10058400" cy="4955203"/>
           </a:xfrm>
           <a:prstGeom prst="rect">
             <a:avLst/>
           </a:prstGeom>
           <a:noFill/>
-          <a:ln w="6350">
+        </p:spPr>
+        <p:txBody>
+          <a:bodyPr wrap="square" rtlCol="0">
+            <a:spAutoFit/>
+          </a:bodyPr>
+          <a:lstStyle/>
+          <a:p>
+            <a:r>
+              <a:rPr lang="en-US" sz="3200" dirty="0" err="1">
+                <a:latin typeface="Agency FB" panose="020B0503020202020204" pitchFamily="34" charset="0"/>
+              </a:rPr>
+              <a:t>CodHer</a:t>
+            </a:r>
+            <a:r>
+              <a:rPr lang="en-US" sz="3200" dirty="0">
+                <a:latin typeface="Agency FB" panose="020B0503020202020204" pitchFamily="34" charset="0"/>
+              </a:rPr>
+              <a:t> is a mobile application created by women for women! </a:t>
+            </a:r>
+          </a:p>
+          <a:p>
+            <a:endParaRPr lang="en-US" sz="3200" dirty="0">
+              <a:latin typeface="Agency FB" panose="020B0503020202020204" pitchFamily="34" charset="0"/>
+            </a:endParaRPr>
+          </a:p>
+          <a:p>
+            <a:r>
+              <a:rPr lang="en-US" sz="3200" dirty="0" err="1">
+                <a:latin typeface="Agency FB" panose="020B0503020202020204" pitchFamily="34" charset="0"/>
+              </a:rPr>
+              <a:t>CodHer</a:t>
+            </a:r>
+            <a:r>
+              <a:rPr lang="en-US" sz="3200" dirty="0">
+                <a:latin typeface="Agency FB" panose="020B0503020202020204" pitchFamily="34" charset="0"/>
+              </a:rPr>
+              <a:t> is an exciting game that allows users to complete challenges and level up based on their coding abilities</a:t>
+            </a:r>
+          </a:p>
+          <a:p>
+            <a:endParaRPr lang="en-US" sz="3200" dirty="0">
+              <a:latin typeface="Agency FB" panose="020B0503020202020204" pitchFamily="34" charset="0"/>
+            </a:endParaRPr>
+          </a:p>
+          <a:p>
+            <a:r>
+              <a:rPr lang="en-US" sz="3200" dirty="0">
+                <a:latin typeface="Agency FB" panose="020B0503020202020204" pitchFamily="34" charset="0"/>
+              </a:rPr>
+              <a:t>Choose your avatar, skateboard to the end of the </a:t>
+            </a:r>
+          </a:p>
+          <a:p>
+            <a:r>
+              <a:rPr lang="en-US" sz="3200" dirty="0">
+                <a:latin typeface="Agency FB" panose="020B0503020202020204" pitchFamily="34" charset="0"/>
+              </a:rPr>
+              <a:t>course and avoid all the obstacles to complete the </a:t>
+            </a:r>
+          </a:p>
+          <a:p>
+            <a:r>
+              <a:rPr lang="en-US" sz="3200" dirty="0">
+                <a:latin typeface="Agency FB" panose="020B0503020202020204" pitchFamily="34" charset="0"/>
+              </a:rPr>
+              <a:t>challenge and level up</a:t>
+            </a:r>
+            <a:r>
+              <a:rPr lang="en-US" sz="2000" dirty="0">
+                <a:latin typeface="Agency FB" panose="020B0503020202020204" pitchFamily="34" charset="0"/>
+              </a:rPr>
+              <a:t>!</a:t>
+            </a:r>
+          </a:p>
+          <a:p>
+            <a:endParaRPr lang="en-US" sz="2000" dirty="0">
+              <a:latin typeface="Agency FB" panose="020B0503020202020204" pitchFamily="34" charset="0"/>
+            </a:endParaRPr>
+          </a:p>
+          <a:p>
+            <a:endParaRPr lang="en-US" sz="2000" dirty="0">
+              <a:latin typeface="Agency FB" panose="020B0503020202020204" pitchFamily="34" charset="0"/>
+            </a:endParaRPr>
+          </a:p>
+          <a:p>
+            <a:endParaRPr lang="en-US" sz="2000" dirty="0">
+              <a:latin typeface="Agency FB" panose="020B0503020202020204" pitchFamily="34" charset="0"/>
+            </a:endParaRPr>
+          </a:p>
+        </p:txBody>
+      </p:sp>
+      <p:grpSp>
+        <p:nvGrpSpPr>
+          <p:cNvPr id="7" name="Group 6">
+            <a:extLst>
+              <a:ext uri="{FF2B5EF4-FFF2-40B4-BE49-F238E27FC236}">
+                <a16:creationId xmlns:a16="http://schemas.microsoft.com/office/drawing/2014/main" id="{CA2E2643-7C5D-4DA9-8323-19C2A08799AB}"/>
+              </a:ext>
+            </a:extLst>
+          </p:cNvPr>
+          <p:cNvGrpSpPr/>
+          <p:nvPr/>
+        </p:nvGrpSpPr>
+        <p:grpSpPr>
+          <a:xfrm>
+            <a:off x="7349061" y="3428999"/>
+            <a:ext cx="4556799" cy="3046445"/>
+            <a:chOff x="7243316" y="4360853"/>
+            <a:chExt cx="3692162" cy="2375844"/>
+          </a:xfrm>
+        </p:grpSpPr>
+        <p:pic>
+          <p:nvPicPr>
+            <p:cNvPr id="6" name="Picture 5">
+              <a:extLst>
+                <a:ext uri="{FF2B5EF4-FFF2-40B4-BE49-F238E27FC236}">
+                  <a16:creationId xmlns:a16="http://schemas.microsoft.com/office/drawing/2014/main" id="{96134DBF-06ED-4DB0-AFBC-5DB80AAB295B}"/>
+                </a:ext>
+              </a:extLst>
+            </p:cNvPr>
+            <p:cNvPicPr>
+              <a:picLocks noChangeAspect="1"/>
+            </p:cNvPicPr>
+            <p:nvPr/>
+          </p:nvPicPr>
+          <p:blipFill rotWithShape="1">
+            <a:blip r:embed="rId2">
+              <a:extLst>
+                <a:ext uri="{28A0092B-C50C-407E-A947-70E740481C1C}">
+                  <a14:useLocalDpi xmlns:a14="http://schemas.microsoft.com/office/drawing/2010/main" val="0"/>
+                </a:ext>
+              </a:extLst>
+            </a:blip>
+            <a:srcRect r="23269"/>
+            <a:stretch/>
+          </p:blipFill>
+          <p:spPr>
+            <a:xfrm>
+              <a:off x="7243316" y="4360853"/>
+              <a:ext cx="3692162" cy="2375844"/>
+            </a:xfrm>
+            <a:prstGeom prst="rect">
+              <a:avLst/>
+            </a:prstGeom>
+          </p:spPr>
+        </p:pic>
+        <p:pic>
+          <p:nvPicPr>
+            <p:cNvPr id="8" name="Picture 7">
+              <a:extLst>
+                <a:ext uri="{FF2B5EF4-FFF2-40B4-BE49-F238E27FC236}">
+                  <a16:creationId xmlns:a16="http://schemas.microsoft.com/office/drawing/2014/main" id="{3C86F6E6-594F-4518-ACF5-E665DAA9AA47}"/>
+                </a:ext>
+              </a:extLst>
+            </p:cNvPr>
+            <p:cNvPicPr>
+              <a:picLocks noChangeAspect="1"/>
+            </p:cNvPicPr>
+            <p:nvPr/>
+          </p:nvPicPr>
+          <p:blipFill>
+            <a:blip r:embed="rId3">
+              <a:extLst>
+                <a:ext uri="{28A0092B-C50C-407E-A947-70E740481C1C}">
+                  <a14:useLocalDpi xmlns:a14="http://schemas.microsoft.com/office/drawing/2010/main" val="0"/>
+                </a:ext>
+              </a:extLst>
+            </a:blip>
+            <a:stretch>
+              <a:fillRect/>
+            </a:stretch>
+          </p:blipFill>
+          <p:spPr>
+            <a:xfrm>
+              <a:off x="7749595" y="5711193"/>
+              <a:ext cx="815907" cy="901557"/>
+            </a:xfrm>
+            <a:prstGeom prst="rect">
+              <a:avLst/>
+            </a:prstGeom>
+          </p:spPr>
+        </p:pic>
+        <p:pic>
+          <p:nvPicPr>
+            <p:cNvPr id="11" name="Picture 10">
+              <a:extLst>
+                <a:ext uri="{FF2B5EF4-FFF2-40B4-BE49-F238E27FC236}">
+                  <a16:creationId xmlns:a16="http://schemas.microsoft.com/office/drawing/2014/main" id="{33864313-EC85-4558-B30A-F0EEBAEECC59}"/>
+                </a:ext>
+              </a:extLst>
+            </p:cNvPr>
+            <p:cNvPicPr>
+              <a:picLocks noChangeAspect="1"/>
+            </p:cNvPicPr>
+            <p:nvPr/>
+          </p:nvPicPr>
+          <p:blipFill rotWithShape="1">
+            <a:blip r:embed="rId4">
+              <a:extLst>
+                <a:ext uri="{BEBA8EAE-BF5A-486C-A8C5-ECC9F3942E4B}">
+                  <a14:imgProps xmlns:a14="http://schemas.microsoft.com/office/drawing/2010/main">
+                    <a14:imgLayer r:embed="rId5">
+                      <a14:imgEffect>
+                        <a14:backgroundRemoval t="10000" b="94000" l="3333" r="30333">
+                          <a14:foregroundMark x1="4667" y1="67000" x2="4667" y2="67000"/>
+                          <a14:foregroundMark x1="9667" y1="94000" x2="9667" y2="94000"/>
+                        </a14:backgroundRemoval>
+                      </a14:imgEffect>
+                    </a14:imgLayer>
+                  </a14:imgProps>
+                </a:ext>
+                <a:ext uri="{28A0092B-C50C-407E-A947-70E740481C1C}">
+                  <a14:useLocalDpi xmlns:a14="http://schemas.microsoft.com/office/drawing/2010/main" val="0"/>
+                </a:ext>
+              </a:extLst>
+            </a:blip>
+            <a:srcRect r="66109"/>
+            <a:stretch/>
+          </p:blipFill>
+          <p:spPr>
+            <a:xfrm>
+              <a:off x="9071781" y="5877879"/>
+              <a:ext cx="687973" cy="692973"/>
+            </a:xfrm>
+            <a:prstGeom prst="rect">
+              <a:avLst/>
+            </a:prstGeom>
+          </p:spPr>
+        </p:pic>
+        <p:sp>
+          <p:nvSpPr>
+            <p:cNvPr id="12" name="Text Box 4">
+              <a:extLst>
+                <a:ext uri="{FF2B5EF4-FFF2-40B4-BE49-F238E27FC236}">
+                  <a16:creationId xmlns:a16="http://schemas.microsoft.com/office/drawing/2014/main" id="{5D984986-3E33-4394-8E1F-31A0A186596B}"/>
+                </a:ext>
+              </a:extLst>
+            </p:cNvPr>
+            <p:cNvSpPr txBox="1"/>
+            <p:nvPr/>
+          </p:nvSpPr>
+          <p:spPr>
+            <a:xfrm>
+              <a:off x="7585086" y="4405496"/>
+              <a:ext cx="3255801" cy="1430486"/>
+            </a:xfrm>
+            <a:prstGeom prst="rect">
+              <a:avLst/>
+            </a:prstGeom>
             <a:noFill/>
-          </a:ln>
-        </p:spPr>
-        <p:txBody>
-          <a:bodyPr rot="0" spcFirstLastPara="0" vert="horz" wrap="square" lIns="91440" tIns="45720" rIns="91440" bIns="45720" numCol="1" spcCol="0" rtlCol="0" fromWordArt="0" anchor="t" anchorCtr="0" forceAA="0" compatLnSpc="1">
-            <a:prstTxWarp prst="textNoShape">
-              <a:avLst/>
-            </a:prstTxWarp>
-            <a:noAutofit/>
-          </a:bodyPr>
-          <a:lstStyle/>
-          <a:p>
-            <a:pPr>
-              <a:lnSpc>
-                <a:spcPct val="107000"/>
-              </a:lnSpc>
-              <a:spcAft>
-                <a:spcPts val="800"/>
-              </a:spcAft>
-            </a:pPr>
-            <a:r>
-              <a:rPr lang="en-US" sz="1100" dirty="0"/>
-              <a:t>X = "Hello World"</a:t>
-            </a:r>
-            <a:br>
-              <a:rPr lang="en-US" sz="1100" dirty="0"/>
-            </a:br>
-            <a:r>
-              <a:rPr lang="en-US" sz="1100" dirty="0"/>
-              <a:t>What Data Type is X?</a:t>
-            </a:r>
-            <a:br>
-              <a:rPr lang="en-US" sz="1100" dirty="0"/>
-            </a:br>
-            <a:r>
-              <a:rPr lang="en-US" sz="1100" dirty="0"/>
-              <a:t>A. String B. Integer C. Boolean D. Char</a:t>
-            </a:r>
-          </a:p>
-          <a:p>
-            <a:pPr marL="0" marR="0">
-              <a:lnSpc>
-                <a:spcPct val="107000"/>
-              </a:lnSpc>
-              <a:spcBef>
-                <a:spcPts val="0"/>
-              </a:spcBef>
-              <a:spcAft>
-                <a:spcPts val="800"/>
-              </a:spcAft>
-            </a:pPr>
-            <a:endParaRPr lang="en-US" sz="1100" dirty="0">
-              <a:effectLst/>
-              <a:latin typeface="Calibri" panose="020F0502020204030204" pitchFamily="34" charset="0"/>
-              <a:ea typeface="Calibri" panose="020F0502020204030204" pitchFamily="34" charset="0"/>
-              <a:cs typeface="Times New Roman" panose="02020603050405020304" pitchFamily="18" charset="0"/>
-            </a:endParaRPr>
-          </a:p>
-          <a:p>
-            <a:pPr marL="0" marR="0">
-              <a:lnSpc>
-                <a:spcPct val="107000"/>
-              </a:lnSpc>
-              <a:spcBef>
-                <a:spcPts val="0"/>
-              </a:spcBef>
-              <a:spcAft>
-                <a:spcPts val="800"/>
-              </a:spcAft>
-            </a:pPr>
-            <a:r>
-              <a:rPr lang="en-US" sz="1100" dirty="0">
+            <a:ln w="6350">
+              <a:noFill/>
+            </a:ln>
+          </p:spPr>
+          <p:txBody>
+            <a:bodyPr rot="0" spcFirstLastPara="0" vert="horz" wrap="square" lIns="91440" tIns="45720" rIns="91440" bIns="45720" numCol="1" spcCol="0" rtlCol="0" fromWordArt="0" anchor="t" anchorCtr="0" forceAA="0" compatLnSpc="1">
+              <a:prstTxWarp prst="textNoShape">
+                <a:avLst/>
+              </a:prstTxWarp>
+              <a:noAutofit/>
+            </a:bodyPr>
+            <a:lstStyle/>
+            <a:p>
+              <a:pPr>
+                <a:lnSpc>
+                  <a:spcPct val="107000"/>
+                </a:lnSpc>
+                <a:spcAft>
+                  <a:spcPts val="800"/>
+                </a:spcAft>
+              </a:pPr>
+              <a:r>
+                <a:rPr lang="en-US" sz="1100" dirty="0"/>
+                <a:t>X = "Hello World"</a:t>
+              </a:r>
+              <a:br>
+                <a:rPr lang="en-US" sz="1100" dirty="0"/>
+              </a:br>
+              <a:r>
+                <a:rPr lang="en-US" sz="1100" dirty="0"/>
+                <a:t>What Data Type is X?</a:t>
+              </a:r>
+              <a:br>
+                <a:rPr lang="en-US" sz="1100" dirty="0"/>
+              </a:br>
+              <a:r>
+                <a:rPr lang="en-US" sz="1100" dirty="0"/>
+                <a:t>A. String B. Integer C. Boolean D. Char</a:t>
+              </a:r>
+            </a:p>
+            <a:p>
+              <a:pPr marL="0" marR="0">
+                <a:lnSpc>
+                  <a:spcPct val="107000"/>
+                </a:lnSpc>
+                <a:spcBef>
+                  <a:spcPts val="0"/>
+                </a:spcBef>
+                <a:spcAft>
+                  <a:spcPts val="800"/>
+                </a:spcAft>
+              </a:pPr>
+              <a:endParaRPr lang="en-US" sz="1100" dirty="0">
                 <a:effectLst/>
                 <a:latin typeface="Calibri" panose="020F0502020204030204" pitchFamily="34" charset="0"/>
                 <a:ea typeface="Calibri" panose="020F0502020204030204" pitchFamily="34" charset="0"/>
                 <a:cs typeface="Times New Roman" panose="02020603050405020304" pitchFamily="18" charset="0"/>
-              </a:rPr>
-              <a:t> </a:t>
-            </a:r>
-          </a:p>
-        </p:txBody>
-      </p:sp>
+              </a:endParaRPr>
+            </a:p>
+            <a:p>
+              <a:pPr marL="0" marR="0">
+                <a:lnSpc>
+                  <a:spcPct val="107000"/>
+                </a:lnSpc>
+                <a:spcBef>
+                  <a:spcPts val="0"/>
+                </a:spcBef>
+                <a:spcAft>
+                  <a:spcPts val="800"/>
+                </a:spcAft>
+              </a:pPr>
+              <a:r>
+                <a:rPr lang="en-US" sz="1100" dirty="0">
+                  <a:effectLst/>
+                  <a:latin typeface="Calibri" panose="020F0502020204030204" pitchFamily="34" charset="0"/>
+                  <a:ea typeface="Calibri" panose="020F0502020204030204" pitchFamily="34" charset="0"/>
+                  <a:cs typeface="Times New Roman" panose="02020603050405020304" pitchFamily="18" charset="0"/>
+                </a:rPr>
+                <a:t> </a:t>
+              </a:r>
+            </a:p>
+          </p:txBody>
+        </p:sp>
+      </p:grpSp>
       <p:pic>
         <p:nvPicPr>
           <p:cNvPr id="10" name="Picture 9">
@@ -4130,7 +4609,7 @@
 </p:sld>
 </file>
 
-<file path=ppt/slides/slide3.xml><?xml version="1.0" encoding="utf-8"?>
+<file path=ppt/slides/slide5.xml><?xml version="1.0" encoding="utf-8"?>
 <p:sld xmlns:a="http://schemas.openxmlformats.org/drawingml/2006/main" xmlns:r="http://schemas.openxmlformats.org/officeDocument/2006/relationships" xmlns:p="http://schemas.openxmlformats.org/presentationml/2006/main">
   <p:cSld>
     <p:spTree>
@@ -4380,7 +4859,7 @@
 </p:sld>
 </file>
 
-<file path=ppt/slides/slide4.xml><?xml version="1.0" encoding="utf-8"?>
+<file path=ppt/slides/slide6.xml><?xml version="1.0" encoding="utf-8"?>
 <p:sld xmlns:a="http://schemas.openxmlformats.org/drawingml/2006/main" xmlns:r="http://schemas.openxmlformats.org/officeDocument/2006/relationships" xmlns:p="http://schemas.openxmlformats.org/presentationml/2006/main">
   <p:cSld>
     <p:spTree>
@@ -4612,7 +5091,7 @@
 </p:sld>
 </file>
 
-<file path=ppt/slides/slide5.xml><?xml version="1.0" encoding="utf-8"?>
+<file path=ppt/slides/slide7.xml><?xml version="1.0" encoding="utf-8"?>
 <p:sld xmlns:a="http://schemas.openxmlformats.org/drawingml/2006/main" xmlns:r="http://schemas.openxmlformats.org/officeDocument/2006/relationships" xmlns:p="http://schemas.openxmlformats.org/presentationml/2006/main">
   <p:cSld>
     <p:spTree>
@@ -4631,10 +5110,147 @@
       </p:grpSpPr>
       <p:sp>
         <p:nvSpPr>
-          <p:cNvPr id="2" name="TextBox 1">
-            <a:extLst>
-              <a:ext uri="{FF2B5EF4-FFF2-40B4-BE49-F238E27FC236}">
-                <a16:creationId xmlns:a16="http://schemas.microsoft.com/office/drawing/2014/main" id="{17B788FC-0226-4820-A495-C9147B32331C}"/>
+          <p:cNvPr id="2" name="Title 1">
+            <a:extLst>
+              <a:ext uri="{FF2B5EF4-FFF2-40B4-BE49-F238E27FC236}">
+                <a16:creationId xmlns:a16="http://schemas.microsoft.com/office/drawing/2014/main" id="{BD1536E8-9C93-4A49-B1FC-2BA7E0B77863}"/>
+              </a:ext>
+            </a:extLst>
+          </p:cNvPr>
+          <p:cNvSpPr>
+            <a:spLocks noGrp="1"/>
+          </p:cNvSpPr>
+          <p:nvPr>
+            <p:ph type="title"/>
+          </p:nvPr>
+        </p:nvSpPr>
+        <p:spPr/>
+        <p:txBody>
+          <a:bodyPr/>
+          <a:lstStyle/>
+          <a:p>
+            <a:r>
+              <a:rPr lang="en-US" dirty="0">
+                <a:solidFill>
+                  <a:srgbClr val="EF43A5"/>
+                </a:solidFill>
+                <a:latin typeface="Agency FB" panose="020B0503020202020204" pitchFamily="34" charset="0"/>
+              </a:rPr>
+              <a:t>Technology and Resources we used</a:t>
+            </a:r>
+          </a:p>
+        </p:txBody>
+      </p:sp>
+      <p:sp>
+        <p:nvSpPr>
+          <p:cNvPr id="3" name="Content Placeholder 2">
+            <a:extLst>
+              <a:ext uri="{FF2B5EF4-FFF2-40B4-BE49-F238E27FC236}">
+                <a16:creationId xmlns:a16="http://schemas.microsoft.com/office/drawing/2014/main" id="{1854EBD5-6CB1-4B30-BB63-82DFBB81FAD2}"/>
+              </a:ext>
+            </a:extLst>
+          </p:cNvPr>
+          <p:cNvSpPr>
+            <a:spLocks noGrp="1"/>
+          </p:cNvSpPr>
+          <p:nvPr>
+            <p:ph idx="1"/>
+          </p:nvPr>
+        </p:nvSpPr>
+        <p:spPr>
+          <a:xfrm>
+            <a:off x="838200" y="1592360"/>
+            <a:ext cx="10515600" cy="4351338"/>
+          </a:xfrm>
+        </p:spPr>
+        <p:txBody>
+          <a:bodyPr>
+            <a:normAutofit fontScale="92500" lnSpcReduction="20000"/>
+          </a:bodyPr>
+          <a:lstStyle/>
+          <a:p>
+            <a:r>
+              <a:rPr lang="en-US" dirty="0"/>
+              <a:t>Python</a:t>
+            </a:r>
+          </a:p>
+          <a:p>
+            <a:r>
+              <a:rPr lang="en-US" dirty="0" err="1"/>
+              <a:t>Pyglet</a:t>
+            </a:r>
+            <a:r>
+              <a:rPr lang="en-US" dirty="0"/>
+              <a:t> (python library)</a:t>
+            </a:r>
+          </a:p>
+          <a:p>
+            <a:r>
+              <a:rPr lang="en-US" dirty="0"/>
+              <a:t>Proto.io</a:t>
+            </a:r>
+          </a:p>
+          <a:p>
+            <a:r>
+              <a:rPr lang="en-US" dirty="0"/>
+              <a:t>GitHub</a:t>
+            </a:r>
+          </a:p>
+          <a:p>
+            <a:r>
+              <a:rPr lang="en-US" dirty="0"/>
+              <a:t>Biography.com</a:t>
+            </a:r>
+          </a:p>
+          <a:p>
+            <a:r>
+              <a:rPr lang="en-US" dirty="0"/>
+              <a:t>NCWIT</a:t>
+            </a:r>
+          </a:p>
+          <a:p>
+            <a:r>
+              <a:rPr lang="en-US" dirty="0"/>
+              <a:t>Graphics</a:t>
+            </a:r>
+          </a:p>
+          <a:p>
+            <a:pPr lvl="1"/>
+            <a:r>
+              <a:rPr lang="en-US" dirty="0"/>
+              <a:t>PIXEL</a:t>
+            </a:r>
+          </a:p>
+          <a:p>
+            <a:pPr lvl="1"/>
+            <a:r>
+              <a:rPr lang="en-US" dirty="0" err="1"/>
+              <a:t>Bitmoji</a:t>
+            </a:r>
+            <a:endParaRPr lang="en-US" dirty="0"/>
+          </a:p>
+          <a:p>
+            <a:pPr lvl="1"/>
+            <a:r>
+              <a:rPr lang="en-US" dirty="0"/>
+              <a:t>Google </a:t>
+            </a:r>
+          </a:p>
+          <a:p>
+            <a:pPr lvl="1"/>
+            <a:r>
+              <a:rPr lang="en-US" dirty="0"/>
+              <a:t>logomakr.com</a:t>
+            </a:r>
+          </a:p>
+        </p:txBody>
+      </p:sp>
+      <p:sp>
+        <p:nvSpPr>
+          <p:cNvPr id="5" name="TextBox 4">
+            <a:extLst>
+              <a:ext uri="{FF2B5EF4-FFF2-40B4-BE49-F238E27FC236}">
+                <a16:creationId xmlns:a16="http://schemas.microsoft.com/office/drawing/2014/main" id="{63FD3DC3-3810-40EF-BE5A-5FA22B5242F3}"/>
               </a:ext>
             </a:extLst>
           </p:cNvPr>
@@ -4643,7 +5259,129 @@
         </p:nvSpPr>
         <p:spPr>
           <a:xfrm>
-            <a:off x="4766072" y="2866830"/>
+            <a:off x="9325072" y="5581844"/>
+            <a:ext cx="10448925" cy="1015663"/>
+          </a:xfrm>
+          <a:prstGeom prst="rect">
+            <a:avLst/>
+          </a:prstGeom>
+          <a:noFill/>
+        </p:spPr>
+        <p:txBody>
+          <a:bodyPr wrap="square" rtlCol="0">
+            <a:spAutoFit/>
+          </a:bodyPr>
+          <a:lstStyle/>
+          <a:p>
+            <a:r>
+              <a:rPr lang="en-US" sz="6000" dirty="0" err="1">
+                <a:solidFill>
+                  <a:srgbClr val="EF43A5"/>
+                </a:solidFill>
+                <a:latin typeface="Agency FB" panose="020B0503020202020204" pitchFamily="34" charset="0"/>
+              </a:rPr>
+              <a:t>CodHer</a:t>
+            </a:r>
+            <a:r>
+              <a:rPr lang="en-US" sz="6000" dirty="0">
+                <a:solidFill>
+                  <a:srgbClr val="EF43A5"/>
+                </a:solidFill>
+                <a:latin typeface="Agency FB" panose="020B0503020202020204" pitchFamily="34" charset="0"/>
+              </a:rPr>
+              <a:t>()</a:t>
+            </a:r>
+            <a:endParaRPr lang="en-US" sz="6000" dirty="0"/>
+          </a:p>
+        </p:txBody>
+      </p:sp>
+      <p:pic>
+        <p:nvPicPr>
+          <p:cNvPr id="6" name="Picture 5">
+            <a:extLst>
+              <a:ext uri="{FF2B5EF4-FFF2-40B4-BE49-F238E27FC236}">
+                <a16:creationId xmlns:a16="http://schemas.microsoft.com/office/drawing/2014/main" id="{5EA025E5-8C69-4707-A9B7-150D61322827}"/>
+              </a:ext>
+            </a:extLst>
+          </p:cNvPr>
+          <p:cNvPicPr>
+            <a:picLocks noChangeAspect="1"/>
+          </p:cNvPicPr>
+          <p:nvPr/>
+        </p:nvPicPr>
+        <p:blipFill>
+          <a:blip r:embed="rId2"/>
+          <a:stretch>
+            <a:fillRect/>
+          </a:stretch>
+        </p:blipFill>
+        <p:spPr>
+          <a:xfrm>
+            <a:off x="10177305" y="-17771"/>
+            <a:ext cx="2014695" cy="1912644"/>
+          </a:xfrm>
+          <a:prstGeom prst="rect">
+            <a:avLst/>
+          </a:prstGeom>
+        </p:spPr>
+      </p:pic>
+    </p:spTree>
+    <p:extLst>
+      <p:ext uri="{BB962C8B-B14F-4D97-AF65-F5344CB8AC3E}">
+        <p14:creationId xmlns:p14="http://schemas.microsoft.com/office/powerpoint/2010/main" val="1562908208"/>
+      </p:ext>
+    </p:extLst>
+  </p:cSld>
+  <p:clrMapOvr>
+    <a:masterClrMapping/>
+  </p:clrMapOvr>
+  <mc:AlternateContent xmlns:mc="http://schemas.openxmlformats.org/markup-compatibility/2006" xmlns:p159="http://schemas.microsoft.com/office/powerpoint/2015/09/main">
+    <mc:Choice Requires="p159">
+      <p:transition xmlns:p14="http://schemas.microsoft.com/office/powerpoint/2010/main" spd="slow" p14:dur="2000">
+        <p159:morph option="byObject"/>
+      </p:transition>
+    </mc:Choice>
+    <mc:Fallback xmlns="">
+      <p:transition spd="slow">
+        <p:fade/>
+      </p:transition>
+    </mc:Fallback>
+  </mc:AlternateContent>
+</p:sld>
+</file>
+
+<file path=ppt/slides/slide8.xml><?xml version="1.0" encoding="utf-8"?>
+<p:sld xmlns:a="http://schemas.openxmlformats.org/drawingml/2006/main" xmlns:r="http://schemas.openxmlformats.org/officeDocument/2006/relationships" xmlns:p="http://schemas.openxmlformats.org/presentationml/2006/main">
+  <p:cSld>
+    <p:spTree>
+      <p:nvGrpSpPr>
+        <p:cNvPr id="1" name=""/>
+        <p:cNvGrpSpPr/>
+        <p:nvPr/>
+      </p:nvGrpSpPr>
+      <p:grpSpPr>
+        <a:xfrm>
+          <a:off x="0" y="0"/>
+          <a:ext cx="0" cy="0"/>
+          <a:chOff x="0" y="0"/>
+          <a:chExt cx="0" cy="0"/>
+        </a:xfrm>
+      </p:grpSpPr>
+      <p:sp>
+        <p:nvSpPr>
+          <p:cNvPr id="2" name="TextBox 1">
+            <a:extLst>
+              <a:ext uri="{FF2B5EF4-FFF2-40B4-BE49-F238E27FC236}">
+                <a16:creationId xmlns:a16="http://schemas.microsoft.com/office/drawing/2014/main" id="{17B788FC-0226-4820-A495-C9147B32331C}"/>
+              </a:ext>
+            </a:extLst>
+          </p:cNvPr>
+          <p:cNvSpPr txBox="1"/>
+          <p:nvPr/>
+        </p:nvSpPr>
+        <p:spPr>
+          <a:xfrm>
+            <a:off x="4766072" y="2885491"/>
             <a:ext cx="6134100" cy="1323439"/>
           </a:xfrm>
           <a:prstGeom prst="rect">
@@ -4692,7 +5430,7 @@
         </p:nvSpPr>
         <p:spPr>
           <a:xfrm>
-            <a:off x="5324475" y="3846178"/>
+            <a:off x="5287153" y="3939484"/>
             <a:ext cx="3333750" cy="1107996"/>
           </a:xfrm>
           <a:prstGeom prst="rect">
@@ -4786,7 +5524,7 @@
 </p:sld>
 </file>
 
-<file path=ppt/slides/slide6.xml><?xml version="1.0" encoding="utf-8"?>
+<file path=ppt/slides/slide9.xml><?xml version="1.0" encoding="utf-8"?>
 <p:sld xmlns:a="http://schemas.openxmlformats.org/drawingml/2006/main" xmlns:r="http://schemas.openxmlformats.org/officeDocument/2006/relationships" xmlns:p="http://schemas.openxmlformats.org/presentationml/2006/main">
   <p:cSld>
     <p:spTree>
@@ -4808,7 +5546,7 @@
           <p:cNvPr id="2" name="Title 1">
             <a:extLst>
               <a:ext uri="{FF2B5EF4-FFF2-40B4-BE49-F238E27FC236}">
-                <a16:creationId xmlns:a16="http://schemas.microsoft.com/office/drawing/2014/main" id="{BD1536E8-9C93-4A49-B1FC-2BA7E0B77863}"/>
+                <a16:creationId xmlns:a16="http://schemas.microsoft.com/office/drawing/2014/main" id="{919CABED-FA10-41BF-9F91-2999D6888784}"/>
               </a:ext>
             </a:extLst>
           </p:cNvPr>
@@ -4820,6 +5558,44 @@
           </p:nvPr>
         </p:nvSpPr>
         <p:spPr/>
+        <p:txBody>
+          <a:bodyPr/>
+          <a:lstStyle/>
+          <a:p>
+            <a:r>
+              <a:rPr lang="en-US" dirty="0">
+                <a:solidFill>
+                  <a:srgbClr val="EF43A5"/>
+                </a:solidFill>
+                <a:latin typeface="Agency FB" panose="020B0503020202020204" pitchFamily="34" charset="0"/>
+              </a:rPr>
+              <a:t>What’s next</a:t>
+            </a:r>
+          </a:p>
+        </p:txBody>
+      </p:sp>
+      <p:sp>
+        <p:nvSpPr>
+          <p:cNvPr id="3" name="Content Placeholder 2">
+            <a:extLst>
+              <a:ext uri="{FF2B5EF4-FFF2-40B4-BE49-F238E27FC236}">
+                <a16:creationId xmlns:a16="http://schemas.microsoft.com/office/drawing/2014/main" id="{029EC757-27EB-4FAC-8D61-F6911C2B1A52}"/>
+              </a:ext>
+            </a:extLst>
+          </p:cNvPr>
+          <p:cNvSpPr>
+            <a:spLocks noGrp="1"/>
+          </p:cNvSpPr>
+          <p:nvPr>
+            <p:ph sz="half" idx="1"/>
+          </p:nvPr>
+        </p:nvSpPr>
+        <p:spPr>
+          <a:xfrm>
+            <a:off x="838200" y="1825625"/>
+            <a:ext cx="10650166" cy="4351338"/>
+          </a:xfrm>
+        </p:spPr>
         <p:txBody>
           <a:bodyPr/>
           <a:lstStyle/>
@@ -4828,97 +5604,34 @@
               <a:rPr lang="en-US" dirty="0">
                 <a:latin typeface="Agency FB" panose="020B0503020202020204" pitchFamily="34" charset="0"/>
               </a:rPr>
-              <a:t>Technology and Resources we used</a:t>
-            </a:r>
-          </a:p>
-        </p:txBody>
-      </p:sp>
-      <p:sp>
-        <p:nvSpPr>
-          <p:cNvPr id="3" name="Content Placeholder 2">
-            <a:extLst>
-              <a:ext uri="{FF2B5EF4-FFF2-40B4-BE49-F238E27FC236}">
-                <a16:creationId xmlns:a16="http://schemas.microsoft.com/office/drawing/2014/main" id="{1854EBD5-6CB1-4B30-BB63-82DFBB81FAD2}"/>
-              </a:ext>
-            </a:extLst>
-          </p:cNvPr>
-          <p:cNvSpPr>
-            <a:spLocks noGrp="1"/>
-          </p:cNvSpPr>
-          <p:nvPr>
-            <p:ph idx="1"/>
-          </p:nvPr>
-        </p:nvSpPr>
-        <p:spPr>
-          <a:xfrm>
-            <a:off x="838200" y="1592360"/>
-            <a:ext cx="10515600" cy="4351338"/>
-          </a:xfrm>
-        </p:spPr>
-        <p:txBody>
-          <a:bodyPr/>
-          <a:lstStyle/>
-          <a:p>
-            <a:r>
-              <a:rPr lang="en-US" dirty="0"/>
-              <a:t>Python</a:t>
-            </a:r>
-          </a:p>
-          <a:p>
-            <a:r>
-              <a:rPr lang="en-US" dirty="0" err="1"/>
-              <a:t>Pyglet</a:t>
-            </a:r>
-            <a:r>
-              <a:rPr lang="en-US" dirty="0"/>
-              <a:t> (python library)</a:t>
-            </a:r>
-          </a:p>
-          <a:p>
-            <a:r>
-              <a:rPr lang="en-US" dirty="0"/>
-              <a:t>Proto.io</a:t>
-            </a:r>
-          </a:p>
-          <a:p>
-            <a:r>
-              <a:rPr lang="en-US" dirty="0"/>
-              <a:t>GitHub</a:t>
-            </a:r>
-          </a:p>
-          <a:p>
-            <a:r>
-              <a:rPr lang="en-US" dirty="0"/>
-              <a:t>Graphics</a:t>
-            </a:r>
-          </a:p>
-          <a:p>
-            <a:pPr lvl="1"/>
-            <a:r>
-              <a:rPr lang="en-US" dirty="0"/>
-              <a:t>PIXEL</a:t>
-            </a:r>
-          </a:p>
-          <a:p>
-            <a:pPr lvl="1"/>
-            <a:r>
-              <a:rPr lang="en-US" dirty="0" err="1"/>
-              <a:t>Bitmoji</a:t>
-            </a:r>
-            <a:endParaRPr lang="en-US" dirty="0"/>
-          </a:p>
-          <a:p>
-            <a:pPr lvl="1"/>
-            <a:r>
-              <a:rPr lang="en-US" dirty="0"/>
-              <a:t>Google </a:t>
-            </a:r>
-          </a:p>
-          <a:p>
-            <a:pPr lvl="1"/>
-            <a:r>
-              <a:rPr lang="en-US" dirty="0"/>
-              <a:t>logomakr.com</a:t>
+              <a:t>Allow users to use the points they collect to purchase outfits for their avatars</a:t>
+            </a:r>
+          </a:p>
+          <a:p>
+            <a:r>
+              <a:rPr lang="en-US" dirty="0">
+                <a:latin typeface="Agency FB" panose="020B0503020202020204" pitchFamily="34" charset="0"/>
+              </a:rPr>
+              <a:t>Create more levels allowing users to build up their skills</a:t>
+            </a:r>
+          </a:p>
+          <a:p>
+            <a:r>
+              <a:rPr lang="en-US" dirty="0">
+                <a:latin typeface="Agency FB" panose="020B0503020202020204" pitchFamily="34" charset="0"/>
+              </a:rPr>
+              <a:t>Add a level that allows the users to write code to change how the character moves</a:t>
+            </a:r>
+          </a:p>
+          <a:p>
+            <a:pPr marL="0" indent="0">
+              <a:buNone/>
+            </a:pPr>
+            <a:r>
+              <a:rPr lang="en-US" dirty="0">
+                <a:latin typeface="Agency FB" panose="020B0503020202020204" pitchFamily="34" charset="0"/>
+              </a:rPr>
+              <a:t> </a:t>
             </a:r>
           </a:p>
         </p:txBody>
@@ -4928,7 +5641,7 @@
           <p:cNvPr id="5" name="TextBox 4">
             <a:extLst>
               <a:ext uri="{FF2B5EF4-FFF2-40B4-BE49-F238E27FC236}">
-                <a16:creationId xmlns:a16="http://schemas.microsoft.com/office/drawing/2014/main" id="{63FD3DC3-3810-40EF-BE5A-5FA22B5242F3}"/>
+                <a16:creationId xmlns:a16="http://schemas.microsoft.com/office/drawing/2014/main" id="{1FA4EEF7-FE03-486E-83B1-1A7659133D58}"/>
               </a:ext>
             </a:extLst>
           </p:cNvPr>
@@ -4978,7 +5691,7 @@
           <p:cNvPr id="6" name="Picture 5">
             <a:extLst>
               <a:ext uri="{FF2B5EF4-FFF2-40B4-BE49-F238E27FC236}">
-                <a16:creationId xmlns:a16="http://schemas.microsoft.com/office/drawing/2014/main" id="{5EA025E5-8C69-4707-A9B7-150D61322827}"/>
+                <a16:creationId xmlns:a16="http://schemas.microsoft.com/office/drawing/2014/main" id="{66FFF1CD-515C-4CA4-8538-39B30DADBAF7}"/>
               </a:ext>
             </a:extLst>
           </p:cNvPr>
@@ -5006,20 +5719,20 @@
     </p:spTree>
     <p:extLst>
       <p:ext uri="{BB962C8B-B14F-4D97-AF65-F5344CB8AC3E}">
-        <p14:creationId xmlns:p14="http://schemas.microsoft.com/office/powerpoint/2010/main" val="1562908208"/>
+        <p14:creationId xmlns:p14="http://schemas.microsoft.com/office/powerpoint/2010/main" val="347293284"/>
       </p:ext>
     </p:extLst>
   </p:cSld>
   <p:clrMapOvr>
     <a:masterClrMapping/>
   </p:clrMapOvr>
-  <mc:AlternateContent xmlns:mc="http://schemas.openxmlformats.org/markup-compatibility/2006" xmlns:p159="http://schemas.microsoft.com/office/powerpoint/2015/09/main">
-    <mc:Choice Requires="p159">
+  <mc:AlternateContent xmlns:mc="http://schemas.openxmlformats.org/markup-compatibility/2006">
+    <mc:Choice xmlns:p159="http://schemas.microsoft.com/office/powerpoint/2015/09/main" Requires="p159">
       <p:transition xmlns:p14="http://schemas.microsoft.com/office/powerpoint/2010/main" spd="slow" p14:dur="2000">
         <p159:morph option="byObject"/>
       </p:transition>
     </mc:Choice>
-    <mc:Fallback xmlns="">
+    <mc:Fallback>
       <p:transition spd="slow">
         <p:fade/>
       </p:transition>

--- a/SheInnovates19 Presentation.pptx
+++ b/SheInnovates19 Presentation.pptx
@@ -267,7 +267,7 @@
           <a:p>
             <a:fld id="{CC5CDACD-68C1-4C39-B6A7-2BAA5327EC16}" type="datetimeFigureOut">
               <a:rPr lang="en-US" smtClean="0"/>
-              <a:t>1/26/2019</a:t>
+              <a:t>1/27/2019</a:t>
             </a:fld>
             <a:endParaRPr lang="en-US"/>
           </a:p>
@@ -465,7 +465,7 @@
           <a:p>
             <a:fld id="{CC5CDACD-68C1-4C39-B6A7-2BAA5327EC16}" type="datetimeFigureOut">
               <a:rPr lang="en-US" smtClean="0"/>
-              <a:t>1/26/2019</a:t>
+              <a:t>1/27/2019</a:t>
             </a:fld>
             <a:endParaRPr lang="en-US"/>
           </a:p>
@@ -673,7 +673,7 @@
           <a:p>
             <a:fld id="{CC5CDACD-68C1-4C39-B6A7-2BAA5327EC16}" type="datetimeFigureOut">
               <a:rPr lang="en-US" smtClean="0"/>
-              <a:t>1/26/2019</a:t>
+              <a:t>1/27/2019</a:t>
             </a:fld>
             <a:endParaRPr lang="en-US"/>
           </a:p>
@@ -871,7 +871,7 @@
           <a:p>
             <a:fld id="{CC5CDACD-68C1-4C39-B6A7-2BAA5327EC16}" type="datetimeFigureOut">
               <a:rPr lang="en-US" smtClean="0"/>
-              <a:t>1/26/2019</a:t>
+              <a:t>1/27/2019</a:t>
             </a:fld>
             <a:endParaRPr lang="en-US"/>
           </a:p>
@@ -1146,7 +1146,7 @@
           <a:p>
             <a:fld id="{CC5CDACD-68C1-4C39-B6A7-2BAA5327EC16}" type="datetimeFigureOut">
               <a:rPr lang="en-US" smtClean="0"/>
-              <a:t>1/26/2019</a:t>
+              <a:t>1/27/2019</a:t>
             </a:fld>
             <a:endParaRPr lang="en-US"/>
           </a:p>
@@ -1411,7 +1411,7 @@
           <a:p>
             <a:fld id="{CC5CDACD-68C1-4C39-B6A7-2BAA5327EC16}" type="datetimeFigureOut">
               <a:rPr lang="en-US" smtClean="0"/>
-              <a:t>1/26/2019</a:t>
+              <a:t>1/27/2019</a:t>
             </a:fld>
             <a:endParaRPr lang="en-US"/>
           </a:p>
@@ -1823,7 +1823,7 @@
           <a:p>
             <a:fld id="{CC5CDACD-68C1-4C39-B6A7-2BAA5327EC16}" type="datetimeFigureOut">
               <a:rPr lang="en-US" smtClean="0"/>
-              <a:t>1/26/2019</a:t>
+              <a:t>1/27/2019</a:t>
             </a:fld>
             <a:endParaRPr lang="en-US"/>
           </a:p>
@@ -1964,7 +1964,7 @@
           <a:p>
             <a:fld id="{CC5CDACD-68C1-4C39-B6A7-2BAA5327EC16}" type="datetimeFigureOut">
               <a:rPr lang="en-US" smtClean="0"/>
-              <a:t>1/26/2019</a:t>
+              <a:t>1/27/2019</a:t>
             </a:fld>
             <a:endParaRPr lang="en-US"/>
           </a:p>
@@ -2077,7 +2077,7 @@
           <a:p>
             <a:fld id="{CC5CDACD-68C1-4C39-B6A7-2BAA5327EC16}" type="datetimeFigureOut">
               <a:rPr lang="en-US" smtClean="0"/>
-              <a:t>1/26/2019</a:t>
+              <a:t>1/27/2019</a:t>
             </a:fld>
             <a:endParaRPr lang="en-US"/>
           </a:p>
@@ -2388,7 +2388,7 @@
           <a:p>
             <a:fld id="{CC5CDACD-68C1-4C39-B6A7-2BAA5327EC16}" type="datetimeFigureOut">
               <a:rPr lang="en-US" smtClean="0"/>
-              <a:t>1/26/2019</a:t>
+              <a:t>1/27/2019</a:t>
             </a:fld>
             <a:endParaRPr lang="en-US"/>
           </a:p>
@@ -2676,7 +2676,7 @@
           <a:p>
             <a:fld id="{CC5CDACD-68C1-4C39-B6A7-2BAA5327EC16}" type="datetimeFigureOut">
               <a:rPr lang="en-US" smtClean="0"/>
-              <a:t>1/26/2019</a:t>
+              <a:t>1/27/2019</a:t>
             </a:fld>
             <a:endParaRPr lang="en-US"/>
           </a:p>
@@ -2927,7 +2927,7 @@
           <a:p>
             <a:fld id="{CC5CDACD-68C1-4C39-B6A7-2BAA5327EC16}" type="datetimeFigureOut">
               <a:rPr lang="en-US" smtClean="0"/>
-              <a:t>1/26/2019</a:t>
+              <a:t>1/27/2019</a:t>
             </a:fld>
             <a:endParaRPr lang="en-US"/>
           </a:p>
@@ -3926,13 +3926,13 @@
   <p:clrMapOvr>
     <a:masterClrMapping/>
   </p:clrMapOvr>
-  <mc:AlternateContent xmlns:mc="http://schemas.openxmlformats.org/markup-compatibility/2006">
-    <mc:Choice xmlns:p159="http://schemas.microsoft.com/office/powerpoint/2015/09/main" Requires="p159">
+  <mc:AlternateContent xmlns:mc="http://schemas.openxmlformats.org/markup-compatibility/2006" xmlns:p159="http://schemas.microsoft.com/office/powerpoint/2015/09/main">
+    <mc:Choice Requires="p159">
       <p:transition xmlns:p14="http://schemas.microsoft.com/office/powerpoint/2010/main" spd="slow" p14:dur="2000">
         <p159:morph option="byObject"/>
       </p:transition>
     </mc:Choice>
-    <mc:Fallback>
+    <mc:Fallback xmlns="">
       <p:transition spd="slow">
         <p:fade/>
       </p:transition>
@@ -3993,34 +3993,6 @@
       </p:sp>
       <p:sp>
         <p:nvSpPr>
-          <p:cNvPr id="3" name="Content Placeholder 2">
-            <a:extLst>
-              <a:ext uri="{FF2B5EF4-FFF2-40B4-BE49-F238E27FC236}">
-                <a16:creationId xmlns:a16="http://schemas.microsoft.com/office/drawing/2014/main" id="{1CA463B5-1CC6-454E-84A3-1890EBCD7B02}"/>
-              </a:ext>
-            </a:extLst>
-          </p:cNvPr>
-          <p:cNvSpPr>
-            <a:spLocks noGrp="1"/>
-          </p:cNvSpPr>
-          <p:nvPr>
-            <p:ph idx="1"/>
-          </p:nvPr>
-        </p:nvSpPr>
-        <p:spPr/>
-        <p:txBody>
-          <a:bodyPr/>
-          <a:lstStyle/>
-          <a:p>
-            <a:r>
-              <a:rPr lang="en-US" dirty="0"/>
-              <a:t>insert pictures of graphs</a:t>
-            </a:r>
-          </a:p>
-        </p:txBody>
-      </p:sp>
-      <p:sp>
-        <p:nvSpPr>
           <p:cNvPr id="4" name="TextBox 3">
             <a:extLst>
               <a:ext uri="{FF2B5EF4-FFF2-40B4-BE49-F238E27FC236}">
@@ -4099,6 +4071,185 @@
           </a:prstGeom>
         </p:spPr>
       </p:pic>
+      <p:pic>
+        <p:nvPicPr>
+          <p:cNvPr id="6" name="Picture 5">
+            <a:extLst>
+              <a:ext uri="{FF2B5EF4-FFF2-40B4-BE49-F238E27FC236}">
+                <a16:creationId xmlns:a16="http://schemas.microsoft.com/office/drawing/2014/main" id="{157E8C7F-055F-47FB-A1D9-639E04EBF61B}"/>
+              </a:ext>
+            </a:extLst>
+          </p:cNvPr>
+          <p:cNvPicPr>
+            <a:picLocks noChangeAspect="1"/>
+          </p:cNvPicPr>
+          <p:nvPr/>
+        </p:nvPicPr>
+        <p:blipFill>
+          <a:blip r:embed="rId3"/>
+          <a:stretch>
+            <a:fillRect/>
+          </a:stretch>
+        </p:blipFill>
+        <p:spPr>
+          <a:xfrm>
+            <a:off x="417242" y="1367850"/>
+            <a:ext cx="3731473" cy="2061150"/>
+          </a:xfrm>
+          <a:prstGeom prst="rect">
+            <a:avLst/>
+          </a:prstGeom>
+        </p:spPr>
+      </p:pic>
+      <p:pic>
+        <p:nvPicPr>
+          <p:cNvPr id="9" name="Picture 8">
+            <a:extLst>
+              <a:ext uri="{FF2B5EF4-FFF2-40B4-BE49-F238E27FC236}">
+                <a16:creationId xmlns:a16="http://schemas.microsoft.com/office/drawing/2014/main" id="{4282B563-8DE8-47D5-9825-BE487D655658}"/>
+              </a:ext>
+            </a:extLst>
+          </p:cNvPr>
+          <p:cNvPicPr>
+            <a:picLocks noChangeAspect="1"/>
+          </p:cNvPicPr>
+          <p:nvPr/>
+        </p:nvPicPr>
+        <p:blipFill>
+          <a:blip r:embed="rId4"/>
+          <a:stretch>
+            <a:fillRect/>
+          </a:stretch>
+        </p:blipFill>
+        <p:spPr>
+          <a:xfrm>
+            <a:off x="4561050" y="79138"/>
+            <a:ext cx="4918387" cy="2577424"/>
+          </a:xfrm>
+          <a:prstGeom prst="rect">
+            <a:avLst/>
+          </a:prstGeom>
+        </p:spPr>
+      </p:pic>
+      <p:pic>
+        <p:nvPicPr>
+          <p:cNvPr id="10" name="Picture 9">
+            <a:extLst>
+              <a:ext uri="{FF2B5EF4-FFF2-40B4-BE49-F238E27FC236}">
+                <a16:creationId xmlns:a16="http://schemas.microsoft.com/office/drawing/2014/main" id="{08C01558-0972-4819-A9DF-B3FCE2BEBD13}"/>
+              </a:ext>
+            </a:extLst>
+          </p:cNvPr>
+          <p:cNvPicPr>
+            <a:picLocks noChangeAspect="1"/>
+          </p:cNvPicPr>
+          <p:nvPr/>
+        </p:nvPicPr>
+        <p:blipFill rotWithShape="1">
+          <a:blip r:embed="rId5"/>
+          <a:srcRect r="20749"/>
+          <a:stretch/>
+        </p:blipFill>
+        <p:spPr>
+          <a:xfrm>
+            <a:off x="417242" y="3540867"/>
+            <a:ext cx="3574240" cy="2424341"/>
+          </a:xfrm>
+          <a:prstGeom prst="rect">
+            <a:avLst/>
+          </a:prstGeom>
+        </p:spPr>
+      </p:pic>
+      <p:pic>
+        <p:nvPicPr>
+          <p:cNvPr id="11" name="Picture 10">
+            <a:extLst>
+              <a:ext uri="{FF2B5EF4-FFF2-40B4-BE49-F238E27FC236}">
+                <a16:creationId xmlns:a16="http://schemas.microsoft.com/office/drawing/2014/main" id="{D59A26B0-2824-43E7-BC88-86B20092114A}"/>
+              </a:ext>
+            </a:extLst>
+          </p:cNvPr>
+          <p:cNvPicPr>
+            <a:picLocks noChangeAspect="1"/>
+          </p:cNvPicPr>
+          <p:nvPr/>
+        </p:nvPicPr>
+        <p:blipFill>
+          <a:blip r:embed="rId6"/>
+          <a:stretch>
+            <a:fillRect/>
+          </a:stretch>
+        </p:blipFill>
+        <p:spPr>
+          <a:xfrm>
+            <a:off x="7970960" y="2864638"/>
+            <a:ext cx="4095646" cy="2362500"/>
+          </a:xfrm>
+          <a:prstGeom prst="rect">
+            <a:avLst/>
+          </a:prstGeom>
+        </p:spPr>
+      </p:pic>
+      <p:pic>
+        <p:nvPicPr>
+          <p:cNvPr id="12" name="Picture 11">
+            <a:extLst>
+              <a:ext uri="{FF2B5EF4-FFF2-40B4-BE49-F238E27FC236}">
+                <a16:creationId xmlns:a16="http://schemas.microsoft.com/office/drawing/2014/main" id="{E5923201-D13C-40FA-89E8-1AEEDAF09562}"/>
+              </a:ext>
+            </a:extLst>
+          </p:cNvPr>
+          <p:cNvPicPr>
+            <a:picLocks noChangeAspect="1"/>
+          </p:cNvPicPr>
+          <p:nvPr/>
+        </p:nvPicPr>
+        <p:blipFill>
+          <a:blip r:embed="rId7"/>
+          <a:stretch>
+            <a:fillRect/>
+          </a:stretch>
+        </p:blipFill>
+        <p:spPr>
+          <a:xfrm>
+            <a:off x="4247873" y="2864637"/>
+            <a:ext cx="3311654" cy="1601568"/>
+          </a:xfrm>
+          <a:prstGeom prst="rect">
+            <a:avLst/>
+          </a:prstGeom>
+        </p:spPr>
+      </p:pic>
+      <p:pic>
+        <p:nvPicPr>
+          <p:cNvPr id="13" name="Picture 12">
+            <a:extLst>
+              <a:ext uri="{FF2B5EF4-FFF2-40B4-BE49-F238E27FC236}">
+                <a16:creationId xmlns:a16="http://schemas.microsoft.com/office/drawing/2014/main" id="{5D5B919F-CB80-4CB7-9099-293C9763FC49}"/>
+              </a:ext>
+            </a:extLst>
+          </p:cNvPr>
+          <p:cNvPicPr>
+            <a:picLocks noChangeAspect="1"/>
+          </p:cNvPicPr>
+          <p:nvPr/>
+        </p:nvPicPr>
+        <p:blipFill>
+          <a:blip r:embed="rId8"/>
+          <a:stretch>
+            <a:fillRect/>
+          </a:stretch>
+        </p:blipFill>
+        <p:spPr>
+          <a:xfrm>
+            <a:off x="4074002" y="4753037"/>
+            <a:ext cx="3797800" cy="1964987"/>
+          </a:xfrm>
+          <a:prstGeom prst="rect">
+            <a:avLst/>
+          </a:prstGeom>
+        </p:spPr>
+      </p:pic>
     </p:spTree>
     <p:extLst>
       <p:ext uri="{BB962C8B-B14F-4D97-AF65-F5344CB8AC3E}">
@@ -4109,13 +4260,13 @@
   <p:clrMapOvr>
     <a:masterClrMapping/>
   </p:clrMapOvr>
-  <mc:AlternateContent xmlns:mc="http://schemas.openxmlformats.org/markup-compatibility/2006">
-    <mc:Choice xmlns:p159="http://schemas.microsoft.com/office/powerpoint/2015/09/main" Requires="p159">
+  <mc:AlternateContent xmlns:mc="http://schemas.openxmlformats.org/markup-compatibility/2006" xmlns:p159="http://schemas.microsoft.com/office/powerpoint/2015/09/main">
+    <mc:Choice Requires="p159">
       <p:transition xmlns:p14="http://schemas.microsoft.com/office/powerpoint/2010/main" spd="slow" p14:dur="2000">
         <p159:morph option="byObject"/>
       </p:transition>
     </mc:Choice>
-    <mc:Fallback>
+    <mc:Fallback xmlns="">
       <p:transition spd="slow">
         <p:fade/>
       </p:transition>
@@ -5726,13 +5877,13 @@
   <p:clrMapOvr>
     <a:masterClrMapping/>
   </p:clrMapOvr>
-  <mc:AlternateContent xmlns:mc="http://schemas.openxmlformats.org/markup-compatibility/2006">
-    <mc:Choice xmlns:p159="http://schemas.microsoft.com/office/powerpoint/2015/09/main" Requires="p159">
+  <mc:AlternateContent xmlns:mc="http://schemas.openxmlformats.org/markup-compatibility/2006" xmlns:p159="http://schemas.microsoft.com/office/powerpoint/2015/09/main">
+    <mc:Choice Requires="p159">
       <p:transition xmlns:p14="http://schemas.microsoft.com/office/powerpoint/2010/main" spd="slow" p14:dur="2000">
         <p159:morph option="byObject"/>
       </p:transition>
     </mc:Choice>
-    <mc:Fallback>
+    <mc:Fallback xmlns="">
       <p:transition spd="slow">
         <p:fade/>
       </p:transition>
